--- a/AprendizadoMaquina/Tópico 02 - Aprendizado Supervisionado/04 - SVM/Tópico 02 - Aprendizado-Supervisionado - SVM.pptx
+++ b/AprendizadoMaquina/Tópico 02 - Aprendizado Supervisionado/04 - SVM/Tópico 02 - Aprendizado-Supervisionado - SVM.pptx
@@ -309,7 +309,7 @@
             <a:pPr algn="r">
               <a:buNone/>
             </a:pPr>
-            <a:fld id="{F4537CDB-D6AF-49D0-A514-AF9297A0723E}" type="slidenum">
+            <a:fld id="{428651E9-8B71-4E7E-9C48-C73E260FCEF7}" type="slidenum">
               <a:rPr b="0" lang="pt-BR" sz="1400" spc="-1" strike="noStrike">
                 <a:latin typeface="Times New Roman"/>
               </a:rPr>
@@ -346,7 +346,7 @@
       </p:grpSpPr>
       <p:sp>
         <p:nvSpPr>
-          <p:cNvPr id="221" name="PlaceHolder 1"/>
+          <p:cNvPr id="217" name="PlaceHolder 1"/>
           <p:cNvSpPr>
             <a:spLocks noGrp="1"/>
           </p:cNvSpPr>
@@ -357,7 +357,7 @@
         <p:spPr>
           <a:xfrm>
             <a:off x="1376280" y="1336680"/>
-            <a:ext cx="4798440" cy="3598200"/>
+            <a:ext cx="4798080" cy="3597840"/>
           </a:xfrm>
           <a:prstGeom prst="rect">
             <a:avLst/>
@@ -369,7 +369,7 @@
       </p:sp>
       <p:sp>
         <p:nvSpPr>
-          <p:cNvPr id="222" name="PlaceHolder 2"/>
+          <p:cNvPr id="218" name="PlaceHolder 2"/>
           <p:cNvSpPr>
             <a:spLocks noGrp="1"/>
           </p:cNvSpPr>
@@ -380,7 +380,7 @@
         <p:spPr>
           <a:xfrm>
             <a:off x="756000" y="5145120"/>
-            <a:ext cx="6038640" cy="4200840"/>
+            <a:ext cx="6038280" cy="4200480"/>
           </a:xfrm>
           <a:prstGeom prst="rect">
             <a:avLst/>
@@ -403,14 +403,14 @@
       </p:sp>
       <p:sp>
         <p:nvSpPr>
-          <p:cNvPr id="223" name="CustomShape 3"/>
+          <p:cNvPr id="219" name="CustomShape 3"/>
           <p:cNvSpPr/>
           <p:nvPr/>
         </p:nvSpPr>
         <p:spPr>
           <a:xfrm>
             <a:off x="0" y="10155240"/>
-            <a:ext cx="3267000" cy="527400"/>
+            <a:ext cx="3266640" cy="527040"/>
           </a:xfrm>
           <a:prstGeom prst="rect">
             <a:avLst/>
@@ -477,7 +477,7 @@
       </p:grpSpPr>
       <p:sp>
         <p:nvSpPr>
-          <p:cNvPr id="248" name="PlaceHolder 1"/>
+          <p:cNvPr id="244" name="PlaceHolder 1"/>
           <p:cNvSpPr>
             <a:spLocks noGrp="1"/>
           </p:cNvSpPr>
@@ -488,7 +488,7 @@
         <p:spPr>
           <a:xfrm>
             <a:off x="1376280" y="1336680"/>
-            <a:ext cx="4798440" cy="3598200"/>
+            <a:ext cx="4798080" cy="3597840"/>
           </a:xfrm>
           <a:prstGeom prst="rect">
             <a:avLst/>
@@ -500,7 +500,7 @@
       </p:sp>
       <p:sp>
         <p:nvSpPr>
-          <p:cNvPr id="249" name="PlaceHolder 2"/>
+          <p:cNvPr id="245" name="PlaceHolder 2"/>
           <p:cNvSpPr>
             <a:spLocks noGrp="1"/>
           </p:cNvSpPr>
@@ -511,7 +511,7 @@
         <p:spPr>
           <a:xfrm>
             <a:off x="756000" y="5145120"/>
-            <a:ext cx="6038640" cy="4200840"/>
+            <a:ext cx="6038280" cy="4200480"/>
           </a:xfrm>
           <a:prstGeom prst="rect">
             <a:avLst/>
@@ -534,14 +534,14 @@
       </p:sp>
       <p:sp>
         <p:nvSpPr>
-          <p:cNvPr id="250" name="CustomShape 40"/>
+          <p:cNvPr id="246" name="CustomShape 40"/>
           <p:cNvSpPr/>
           <p:nvPr/>
         </p:nvSpPr>
         <p:spPr>
           <a:xfrm>
             <a:off x="0" y="10155240"/>
-            <a:ext cx="3267000" cy="527400"/>
+            <a:ext cx="3266640" cy="527040"/>
           </a:xfrm>
           <a:prstGeom prst="rect">
             <a:avLst/>
@@ -608,7 +608,7 @@
       </p:grpSpPr>
       <p:sp>
         <p:nvSpPr>
-          <p:cNvPr id="251" name="PlaceHolder 1"/>
+          <p:cNvPr id="247" name="PlaceHolder 1"/>
           <p:cNvSpPr>
             <a:spLocks noGrp="1"/>
           </p:cNvSpPr>
@@ -619,7 +619,7 @@
         <p:spPr>
           <a:xfrm>
             <a:off x="1376280" y="1336680"/>
-            <a:ext cx="4798440" cy="3598200"/>
+            <a:ext cx="4798080" cy="3597840"/>
           </a:xfrm>
           <a:prstGeom prst="rect">
             <a:avLst/>
@@ -631,7 +631,7 @@
       </p:sp>
       <p:sp>
         <p:nvSpPr>
-          <p:cNvPr id="252" name="PlaceHolder 2"/>
+          <p:cNvPr id="248" name="PlaceHolder 2"/>
           <p:cNvSpPr>
             <a:spLocks noGrp="1"/>
           </p:cNvSpPr>
@@ -642,7 +642,7 @@
         <p:spPr>
           <a:xfrm>
             <a:off x="756000" y="5145120"/>
-            <a:ext cx="6038640" cy="4200840"/>
+            <a:ext cx="6038280" cy="4200480"/>
           </a:xfrm>
           <a:prstGeom prst="rect">
             <a:avLst/>
@@ -665,14 +665,14 @@
       </p:sp>
       <p:sp>
         <p:nvSpPr>
-          <p:cNvPr id="253" name="CustomShape 44"/>
+          <p:cNvPr id="249" name="CustomShape 44"/>
           <p:cNvSpPr/>
           <p:nvPr/>
         </p:nvSpPr>
         <p:spPr>
           <a:xfrm>
             <a:off x="0" y="10155240"/>
-            <a:ext cx="3267000" cy="527400"/>
+            <a:ext cx="3266640" cy="527040"/>
           </a:xfrm>
           <a:prstGeom prst="rect">
             <a:avLst/>
@@ -739,7 +739,7 @@
       </p:grpSpPr>
       <p:sp>
         <p:nvSpPr>
-          <p:cNvPr id="254" name="PlaceHolder 1"/>
+          <p:cNvPr id="250" name="PlaceHolder 1"/>
           <p:cNvSpPr>
             <a:spLocks noGrp="1"/>
           </p:cNvSpPr>
@@ -750,7 +750,7 @@
         <p:spPr>
           <a:xfrm>
             <a:off x="1376280" y="1336680"/>
-            <a:ext cx="4798440" cy="3598200"/>
+            <a:ext cx="4798080" cy="3597840"/>
           </a:xfrm>
           <a:prstGeom prst="rect">
             <a:avLst/>
@@ -762,7 +762,7 @@
       </p:sp>
       <p:sp>
         <p:nvSpPr>
-          <p:cNvPr id="255" name="PlaceHolder 2"/>
+          <p:cNvPr id="251" name="PlaceHolder 2"/>
           <p:cNvSpPr>
             <a:spLocks noGrp="1"/>
           </p:cNvSpPr>
@@ -773,7 +773,7 @@
         <p:spPr>
           <a:xfrm>
             <a:off x="756000" y="5145120"/>
-            <a:ext cx="6038640" cy="4200840"/>
+            <a:ext cx="6038280" cy="4200480"/>
           </a:xfrm>
           <a:prstGeom prst="rect">
             <a:avLst/>
@@ -796,14 +796,14 @@
       </p:sp>
       <p:sp>
         <p:nvSpPr>
-          <p:cNvPr id="256" name="CustomShape 52"/>
+          <p:cNvPr id="252" name="CustomShape 52"/>
           <p:cNvSpPr/>
           <p:nvPr/>
         </p:nvSpPr>
         <p:spPr>
           <a:xfrm>
             <a:off x="0" y="10155240"/>
-            <a:ext cx="3267000" cy="527400"/>
+            <a:ext cx="3266640" cy="527040"/>
           </a:xfrm>
           <a:prstGeom prst="rect">
             <a:avLst/>
@@ -870,7 +870,7 @@
       </p:grpSpPr>
       <p:sp>
         <p:nvSpPr>
-          <p:cNvPr id="257" name="PlaceHolder 1"/>
+          <p:cNvPr id="253" name="PlaceHolder 1"/>
           <p:cNvSpPr>
             <a:spLocks noGrp="1"/>
           </p:cNvSpPr>
@@ -881,7 +881,7 @@
         <p:spPr>
           <a:xfrm>
             <a:off x="1376280" y="1336680"/>
-            <a:ext cx="4798440" cy="3598200"/>
+            <a:ext cx="4798080" cy="3597840"/>
           </a:xfrm>
           <a:prstGeom prst="rect">
             <a:avLst/>
@@ -893,7 +893,7 @@
       </p:sp>
       <p:sp>
         <p:nvSpPr>
-          <p:cNvPr id="258" name="PlaceHolder 2"/>
+          <p:cNvPr id="254" name="PlaceHolder 2"/>
           <p:cNvSpPr>
             <a:spLocks noGrp="1"/>
           </p:cNvSpPr>
@@ -904,7 +904,7 @@
         <p:spPr>
           <a:xfrm>
             <a:off x="756000" y="5145120"/>
-            <a:ext cx="6038640" cy="4200840"/>
+            <a:ext cx="6038280" cy="4200480"/>
           </a:xfrm>
           <a:prstGeom prst="rect">
             <a:avLst/>
@@ -927,14 +927,14 @@
       </p:sp>
       <p:sp>
         <p:nvSpPr>
-          <p:cNvPr id="259" name="CustomShape 48"/>
+          <p:cNvPr id="255" name="CustomShape 48"/>
           <p:cNvSpPr/>
           <p:nvPr/>
         </p:nvSpPr>
         <p:spPr>
           <a:xfrm>
             <a:off x="0" y="10155240"/>
-            <a:ext cx="3267000" cy="527400"/>
+            <a:ext cx="3266640" cy="527040"/>
           </a:xfrm>
           <a:prstGeom prst="rect">
             <a:avLst/>
@@ -1001,7 +1001,7 @@
       </p:grpSpPr>
       <p:sp>
         <p:nvSpPr>
-          <p:cNvPr id="260" name="PlaceHolder 1"/>
+          <p:cNvPr id="256" name="PlaceHolder 1"/>
           <p:cNvSpPr>
             <a:spLocks noGrp="1"/>
           </p:cNvSpPr>
@@ -1012,7 +1012,7 @@
         <p:spPr>
           <a:xfrm>
             <a:off x="1376280" y="1336680"/>
-            <a:ext cx="4798440" cy="3598200"/>
+            <a:ext cx="4798080" cy="3597840"/>
           </a:xfrm>
           <a:prstGeom prst="rect">
             <a:avLst/>
@@ -1024,7 +1024,7 @@
       </p:sp>
       <p:sp>
         <p:nvSpPr>
-          <p:cNvPr id="261" name="PlaceHolder 2"/>
+          <p:cNvPr id="257" name="PlaceHolder 2"/>
           <p:cNvSpPr>
             <a:spLocks noGrp="1"/>
           </p:cNvSpPr>
@@ -1035,7 +1035,7 @@
         <p:spPr>
           <a:xfrm>
             <a:off x="756000" y="5145120"/>
-            <a:ext cx="6038640" cy="4200840"/>
+            <a:ext cx="6038280" cy="4200480"/>
           </a:xfrm>
           <a:prstGeom prst="rect">
             <a:avLst/>
@@ -1058,14 +1058,14 @@
       </p:sp>
       <p:sp>
         <p:nvSpPr>
-          <p:cNvPr id="262" name="CustomShape 56"/>
+          <p:cNvPr id="258" name="CustomShape 56"/>
           <p:cNvSpPr/>
           <p:nvPr/>
         </p:nvSpPr>
         <p:spPr>
           <a:xfrm>
             <a:off x="0" y="10155240"/>
-            <a:ext cx="3267000" cy="527400"/>
+            <a:ext cx="3266640" cy="527040"/>
           </a:xfrm>
           <a:prstGeom prst="rect">
             <a:avLst/>
@@ -1132,7 +1132,7 @@
       </p:grpSpPr>
       <p:sp>
         <p:nvSpPr>
-          <p:cNvPr id="263" name="PlaceHolder 1"/>
+          <p:cNvPr id="259" name="PlaceHolder 1"/>
           <p:cNvSpPr>
             <a:spLocks noGrp="1"/>
           </p:cNvSpPr>
@@ -1143,7 +1143,7 @@
         <p:spPr>
           <a:xfrm>
             <a:off x="1376280" y="1336680"/>
-            <a:ext cx="4798440" cy="3598200"/>
+            <a:ext cx="4798080" cy="3597840"/>
           </a:xfrm>
           <a:prstGeom prst="rect">
             <a:avLst/>
@@ -1155,7 +1155,7 @@
       </p:sp>
       <p:sp>
         <p:nvSpPr>
-          <p:cNvPr id="264" name="PlaceHolder 2"/>
+          <p:cNvPr id="260" name="PlaceHolder 2"/>
           <p:cNvSpPr>
             <a:spLocks noGrp="1"/>
           </p:cNvSpPr>
@@ -1166,7 +1166,7 @@
         <p:spPr>
           <a:xfrm>
             <a:off x="756000" y="5145120"/>
-            <a:ext cx="6038640" cy="4200840"/>
+            <a:ext cx="6038280" cy="4200480"/>
           </a:xfrm>
           <a:prstGeom prst="rect">
             <a:avLst/>
@@ -1189,14 +1189,14 @@
       </p:sp>
       <p:sp>
         <p:nvSpPr>
-          <p:cNvPr id="265" name="CustomShape 60"/>
+          <p:cNvPr id="261" name="CustomShape 60"/>
           <p:cNvSpPr/>
           <p:nvPr/>
         </p:nvSpPr>
         <p:spPr>
           <a:xfrm>
             <a:off x="0" y="10155240"/>
-            <a:ext cx="3267000" cy="527400"/>
+            <a:ext cx="3266640" cy="527040"/>
           </a:xfrm>
           <a:prstGeom prst="rect">
             <a:avLst/>
@@ -1263,7 +1263,7 @@
       </p:grpSpPr>
       <p:sp>
         <p:nvSpPr>
-          <p:cNvPr id="266" name="PlaceHolder 1"/>
+          <p:cNvPr id="262" name="PlaceHolder 1"/>
           <p:cNvSpPr>
             <a:spLocks noGrp="1"/>
           </p:cNvSpPr>
@@ -1274,7 +1274,7 @@
         <p:spPr>
           <a:xfrm>
             <a:off x="1376280" y="1336680"/>
-            <a:ext cx="4798440" cy="3598200"/>
+            <a:ext cx="4798080" cy="3597840"/>
           </a:xfrm>
           <a:prstGeom prst="rect">
             <a:avLst/>
@@ -1286,7 +1286,7 @@
       </p:sp>
       <p:sp>
         <p:nvSpPr>
-          <p:cNvPr id="267" name="PlaceHolder 2"/>
+          <p:cNvPr id="263" name="PlaceHolder 2"/>
           <p:cNvSpPr>
             <a:spLocks noGrp="1"/>
           </p:cNvSpPr>
@@ -1297,7 +1297,7 @@
         <p:spPr>
           <a:xfrm>
             <a:off x="756000" y="5145120"/>
-            <a:ext cx="6038640" cy="4200840"/>
+            <a:ext cx="6038280" cy="4200480"/>
           </a:xfrm>
           <a:prstGeom prst="rect">
             <a:avLst/>
@@ -1320,14 +1320,14 @@
       </p:sp>
       <p:sp>
         <p:nvSpPr>
-          <p:cNvPr id="268" name="CustomShape 64"/>
+          <p:cNvPr id="264" name="CustomShape 64"/>
           <p:cNvSpPr/>
           <p:nvPr/>
         </p:nvSpPr>
         <p:spPr>
           <a:xfrm>
             <a:off x="0" y="10155240"/>
-            <a:ext cx="3267000" cy="527400"/>
+            <a:ext cx="3266640" cy="527040"/>
           </a:xfrm>
           <a:prstGeom prst="rect">
             <a:avLst/>
@@ -1394,7 +1394,7 @@
       </p:grpSpPr>
       <p:sp>
         <p:nvSpPr>
-          <p:cNvPr id="269" name="PlaceHolder 1"/>
+          <p:cNvPr id="265" name="PlaceHolder 1"/>
           <p:cNvSpPr>
             <a:spLocks noGrp="1"/>
           </p:cNvSpPr>
@@ -1405,7 +1405,7 @@
         <p:spPr>
           <a:xfrm>
             <a:off x="1376280" y="1336680"/>
-            <a:ext cx="4798440" cy="3598200"/>
+            <a:ext cx="4798080" cy="3597840"/>
           </a:xfrm>
           <a:prstGeom prst="rect">
             <a:avLst/>
@@ -1417,7 +1417,7 @@
       </p:sp>
       <p:sp>
         <p:nvSpPr>
-          <p:cNvPr id="270" name="PlaceHolder 2"/>
+          <p:cNvPr id="266" name="PlaceHolder 2"/>
           <p:cNvSpPr>
             <a:spLocks noGrp="1"/>
           </p:cNvSpPr>
@@ -1428,7 +1428,7 @@
         <p:spPr>
           <a:xfrm>
             <a:off x="756000" y="5145120"/>
-            <a:ext cx="6038640" cy="4200840"/>
+            <a:ext cx="6038280" cy="4200480"/>
           </a:xfrm>
           <a:prstGeom prst="rect">
             <a:avLst/>
@@ -1451,14 +1451,14 @@
       </p:sp>
       <p:sp>
         <p:nvSpPr>
-          <p:cNvPr id="271" name="CustomShape 68"/>
+          <p:cNvPr id="267" name="CustomShape 68"/>
           <p:cNvSpPr/>
           <p:nvPr/>
         </p:nvSpPr>
         <p:spPr>
           <a:xfrm>
             <a:off x="0" y="10155240"/>
-            <a:ext cx="3267000" cy="527400"/>
+            <a:ext cx="3266640" cy="527040"/>
           </a:xfrm>
           <a:prstGeom prst="rect">
             <a:avLst/>
@@ -1525,7 +1525,7 @@
       </p:grpSpPr>
       <p:sp>
         <p:nvSpPr>
-          <p:cNvPr id="224" name="PlaceHolder 1"/>
+          <p:cNvPr id="220" name="PlaceHolder 1"/>
           <p:cNvSpPr>
             <a:spLocks noGrp="1"/>
           </p:cNvSpPr>
@@ -1536,7 +1536,7 @@
         <p:spPr>
           <a:xfrm>
             <a:off x="1376280" y="1336680"/>
-            <a:ext cx="4798440" cy="3598200"/>
+            <a:ext cx="4798080" cy="3597840"/>
           </a:xfrm>
           <a:prstGeom prst="rect">
             <a:avLst/>
@@ -1548,7 +1548,7 @@
       </p:sp>
       <p:sp>
         <p:nvSpPr>
-          <p:cNvPr id="225" name="PlaceHolder 2"/>
+          <p:cNvPr id="221" name="PlaceHolder 2"/>
           <p:cNvSpPr>
             <a:spLocks noGrp="1"/>
           </p:cNvSpPr>
@@ -1559,7 +1559,7 @@
         <p:spPr>
           <a:xfrm>
             <a:off x="756000" y="5145120"/>
-            <a:ext cx="6038640" cy="4200840"/>
+            <a:ext cx="6038280" cy="4200480"/>
           </a:xfrm>
           <a:prstGeom prst="rect">
             <a:avLst/>
@@ -1582,14 +1582,14 @@
       </p:sp>
       <p:sp>
         <p:nvSpPr>
-          <p:cNvPr id="226" name="CustomShape 3"/>
+          <p:cNvPr id="222" name="CustomShape 3"/>
           <p:cNvSpPr/>
           <p:nvPr/>
         </p:nvSpPr>
         <p:spPr>
           <a:xfrm>
             <a:off x="0" y="10155240"/>
-            <a:ext cx="3267000" cy="527400"/>
+            <a:ext cx="3266640" cy="527040"/>
           </a:xfrm>
           <a:prstGeom prst="rect">
             <a:avLst/>
@@ -1656,7 +1656,7 @@
       </p:grpSpPr>
       <p:sp>
         <p:nvSpPr>
-          <p:cNvPr id="227" name="PlaceHolder 1"/>
+          <p:cNvPr id="223" name="PlaceHolder 1"/>
           <p:cNvSpPr>
             <a:spLocks noGrp="1"/>
           </p:cNvSpPr>
@@ -1667,7 +1667,7 @@
         <p:spPr>
           <a:xfrm>
             <a:off x="1376280" y="1336680"/>
-            <a:ext cx="4798440" cy="3598200"/>
+            <a:ext cx="4798080" cy="3597840"/>
           </a:xfrm>
           <a:prstGeom prst="rect">
             <a:avLst/>
@@ -1679,7 +1679,7 @@
       </p:sp>
       <p:sp>
         <p:nvSpPr>
-          <p:cNvPr id="228" name="PlaceHolder 2"/>
+          <p:cNvPr id="224" name="PlaceHolder 2"/>
           <p:cNvSpPr>
             <a:spLocks noGrp="1"/>
           </p:cNvSpPr>
@@ -1690,7 +1690,7 @@
         <p:spPr>
           <a:xfrm>
             <a:off x="756000" y="5145120"/>
-            <a:ext cx="6038640" cy="4200840"/>
+            <a:ext cx="6038280" cy="4200480"/>
           </a:xfrm>
           <a:prstGeom prst="rect">
             <a:avLst/>
@@ -1713,14 +1713,14 @@
       </p:sp>
       <p:sp>
         <p:nvSpPr>
-          <p:cNvPr id="229" name="CustomShape 5"/>
+          <p:cNvPr id="225" name="CustomShape 5"/>
           <p:cNvSpPr/>
           <p:nvPr/>
         </p:nvSpPr>
         <p:spPr>
           <a:xfrm>
             <a:off x="0" y="10155240"/>
-            <a:ext cx="3267000" cy="527400"/>
+            <a:ext cx="3266640" cy="527040"/>
           </a:xfrm>
           <a:prstGeom prst="rect">
             <a:avLst/>
@@ -1787,7 +1787,7 @@
       </p:grpSpPr>
       <p:sp>
         <p:nvSpPr>
-          <p:cNvPr id="230" name="PlaceHolder 1"/>
+          <p:cNvPr id="226" name="PlaceHolder 1"/>
           <p:cNvSpPr>
             <a:spLocks noGrp="1"/>
           </p:cNvSpPr>
@@ -1798,7 +1798,7 @@
         <p:spPr>
           <a:xfrm>
             <a:off x="1376280" y="1336680"/>
-            <a:ext cx="4798440" cy="3598200"/>
+            <a:ext cx="4798080" cy="3597840"/>
           </a:xfrm>
           <a:prstGeom prst="rect">
             <a:avLst/>
@@ -1810,7 +1810,7 @@
       </p:sp>
       <p:sp>
         <p:nvSpPr>
-          <p:cNvPr id="231" name="PlaceHolder 2"/>
+          <p:cNvPr id="227" name="PlaceHolder 2"/>
           <p:cNvSpPr>
             <a:spLocks noGrp="1"/>
           </p:cNvSpPr>
@@ -1821,7 +1821,7 @@
         <p:spPr>
           <a:xfrm>
             <a:off x="756000" y="5145120"/>
-            <a:ext cx="6038640" cy="4200840"/>
+            <a:ext cx="6038280" cy="4200480"/>
           </a:xfrm>
           <a:prstGeom prst="rect">
             <a:avLst/>
@@ -1844,14 +1844,14 @@
       </p:sp>
       <p:sp>
         <p:nvSpPr>
-          <p:cNvPr id="232" name="CustomShape 14"/>
+          <p:cNvPr id="228" name="CustomShape 14"/>
           <p:cNvSpPr/>
           <p:nvPr/>
         </p:nvSpPr>
         <p:spPr>
           <a:xfrm>
             <a:off x="0" y="10155240"/>
-            <a:ext cx="3267000" cy="527400"/>
+            <a:ext cx="3266640" cy="527040"/>
           </a:xfrm>
           <a:prstGeom prst="rect">
             <a:avLst/>
@@ -1918,7 +1918,7 @@
       </p:grpSpPr>
       <p:sp>
         <p:nvSpPr>
-          <p:cNvPr id="233" name="PlaceHolder 1"/>
+          <p:cNvPr id="229" name="PlaceHolder 1"/>
           <p:cNvSpPr>
             <a:spLocks noGrp="1"/>
           </p:cNvSpPr>
@@ -1929,7 +1929,7 @@
         <p:spPr>
           <a:xfrm>
             <a:off x="1376280" y="1336680"/>
-            <a:ext cx="4798440" cy="3598200"/>
+            <a:ext cx="4798080" cy="3597840"/>
           </a:xfrm>
           <a:prstGeom prst="rect">
             <a:avLst/>
@@ -1941,7 +1941,7 @@
       </p:sp>
       <p:sp>
         <p:nvSpPr>
-          <p:cNvPr id="234" name="PlaceHolder 2"/>
+          <p:cNvPr id="230" name="PlaceHolder 2"/>
           <p:cNvSpPr>
             <a:spLocks noGrp="1"/>
           </p:cNvSpPr>
@@ -1952,7 +1952,7 @@
         <p:spPr>
           <a:xfrm>
             <a:off x="756000" y="5145120"/>
-            <a:ext cx="6038640" cy="4200840"/>
+            <a:ext cx="6038280" cy="4200480"/>
           </a:xfrm>
           <a:prstGeom prst="rect">
             <a:avLst/>
@@ -1975,14 +1975,14 @@
       </p:sp>
       <p:sp>
         <p:nvSpPr>
-          <p:cNvPr id="235" name="CustomShape 24"/>
+          <p:cNvPr id="231" name="CustomShape 24"/>
           <p:cNvSpPr/>
           <p:nvPr/>
         </p:nvSpPr>
         <p:spPr>
           <a:xfrm>
             <a:off x="0" y="10155240"/>
-            <a:ext cx="3267000" cy="527400"/>
+            <a:ext cx="3266640" cy="527040"/>
           </a:xfrm>
           <a:prstGeom prst="rect">
             <a:avLst/>
@@ -2049,7 +2049,7 @@
       </p:grpSpPr>
       <p:sp>
         <p:nvSpPr>
-          <p:cNvPr id="236" name="PlaceHolder 1"/>
+          <p:cNvPr id="232" name="PlaceHolder 1"/>
           <p:cNvSpPr>
             <a:spLocks noGrp="1"/>
           </p:cNvSpPr>
@@ -2060,7 +2060,7 @@
         <p:spPr>
           <a:xfrm>
             <a:off x="1376280" y="1336680"/>
-            <a:ext cx="4798440" cy="3598200"/>
+            <a:ext cx="4798080" cy="3597840"/>
           </a:xfrm>
           <a:prstGeom prst="rect">
             <a:avLst/>
@@ -2072,7 +2072,7 @@
       </p:sp>
       <p:sp>
         <p:nvSpPr>
-          <p:cNvPr id="237" name="PlaceHolder 2"/>
+          <p:cNvPr id="233" name="PlaceHolder 2"/>
           <p:cNvSpPr>
             <a:spLocks noGrp="1"/>
           </p:cNvSpPr>
@@ -2083,7 +2083,7 @@
         <p:spPr>
           <a:xfrm>
             <a:off x="756000" y="5145120"/>
-            <a:ext cx="6038640" cy="4200840"/>
+            <a:ext cx="6038280" cy="4200480"/>
           </a:xfrm>
           <a:prstGeom prst="rect">
             <a:avLst/>
@@ -2106,14 +2106,14 @@
       </p:sp>
       <p:sp>
         <p:nvSpPr>
-          <p:cNvPr id="238" name="CustomShape 19"/>
+          <p:cNvPr id="234" name="CustomShape 19"/>
           <p:cNvSpPr/>
           <p:nvPr/>
         </p:nvSpPr>
         <p:spPr>
           <a:xfrm>
             <a:off x="0" y="10155240"/>
-            <a:ext cx="3267000" cy="527400"/>
+            <a:ext cx="3266640" cy="527040"/>
           </a:xfrm>
           <a:prstGeom prst="rect">
             <a:avLst/>
@@ -2180,7 +2180,7 @@
       </p:grpSpPr>
       <p:sp>
         <p:nvSpPr>
-          <p:cNvPr id="239" name="PlaceHolder 1"/>
+          <p:cNvPr id="235" name="PlaceHolder 1"/>
           <p:cNvSpPr>
             <a:spLocks noGrp="1"/>
           </p:cNvSpPr>
@@ -2191,7 +2191,7 @@
         <p:spPr>
           <a:xfrm>
             <a:off x="1376280" y="1336680"/>
-            <a:ext cx="4798440" cy="3598200"/>
+            <a:ext cx="4798080" cy="3597840"/>
           </a:xfrm>
           <a:prstGeom prst="rect">
             <a:avLst/>
@@ -2203,7 +2203,7 @@
       </p:sp>
       <p:sp>
         <p:nvSpPr>
-          <p:cNvPr id="240" name="PlaceHolder 2"/>
+          <p:cNvPr id="236" name="PlaceHolder 2"/>
           <p:cNvSpPr>
             <a:spLocks noGrp="1"/>
           </p:cNvSpPr>
@@ -2214,7 +2214,7 @@
         <p:spPr>
           <a:xfrm>
             <a:off x="756000" y="5145120"/>
-            <a:ext cx="6038640" cy="4200840"/>
+            <a:ext cx="6038280" cy="4200480"/>
           </a:xfrm>
           <a:prstGeom prst="rect">
             <a:avLst/>
@@ -2237,14 +2237,14 @@
       </p:sp>
       <p:sp>
         <p:nvSpPr>
-          <p:cNvPr id="241" name="CustomShape 29"/>
+          <p:cNvPr id="237" name="CustomShape 29"/>
           <p:cNvSpPr/>
           <p:nvPr/>
         </p:nvSpPr>
         <p:spPr>
           <a:xfrm>
             <a:off x="0" y="10155240"/>
-            <a:ext cx="3267000" cy="527400"/>
+            <a:ext cx="3266640" cy="527040"/>
           </a:xfrm>
           <a:prstGeom prst="rect">
             <a:avLst/>
@@ -2311,7 +2311,7 @@
       </p:grpSpPr>
       <p:sp>
         <p:nvSpPr>
-          <p:cNvPr id="242" name="PlaceHolder 1"/>
+          <p:cNvPr id="238" name="PlaceHolder 1"/>
           <p:cNvSpPr>
             <a:spLocks noGrp="1"/>
           </p:cNvSpPr>
@@ -2322,7 +2322,7 @@
         <p:spPr>
           <a:xfrm>
             <a:off x="1376280" y="1336680"/>
-            <a:ext cx="4798440" cy="3598200"/>
+            <a:ext cx="4798080" cy="3597840"/>
           </a:xfrm>
           <a:prstGeom prst="rect">
             <a:avLst/>
@@ -2334,7 +2334,7 @@
       </p:sp>
       <p:sp>
         <p:nvSpPr>
-          <p:cNvPr id="243" name="PlaceHolder 2"/>
+          <p:cNvPr id="239" name="PlaceHolder 2"/>
           <p:cNvSpPr>
             <a:spLocks noGrp="1"/>
           </p:cNvSpPr>
@@ -2345,7 +2345,7 @@
         <p:spPr>
           <a:xfrm>
             <a:off x="756000" y="5145120"/>
-            <a:ext cx="6038640" cy="4200840"/>
+            <a:ext cx="6038280" cy="4200480"/>
           </a:xfrm>
           <a:prstGeom prst="rect">
             <a:avLst/>
@@ -2368,14 +2368,14 @@
       </p:sp>
       <p:sp>
         <p:nvSpPr>
-          <p:cNvPr id="244" name="CustomShape 36"/>
+          <p:cNvPr id="240" name="CustomShape 36"/>
           <p:cNvSpPr/>
           <p:nvPr/>
         </p:nvSpPr>
         <p:spPr>
           <a:xfrm>
             <a:off x="0" y="10155240"/>
-            <a:ext cx="3267000" cy="527400"/>
+            <a:ext cx="3266640" cy="527040"/>
           </a:xfrm>
           <a:prstGeom prst="rect">
             <a:avLst/>
@@ -2442,7 +2442,7 @@
       </p:grpSpPr>
       <p:sp>
         <p:nvSpPr>
-          <p:cNvPr id="245" name="PlaceHolder 1"/>
+          <p:cNvPr id="241" name="PlaceHolder 1"/>
           <p:cNvSpPr>
             <a:spLocks noGrp="1"/>
           </p:cNvSpPr>
@@ -2453,7 +2453,7 @@
         <p:spPr>
           <a:xfrm>
             <a:off x="1376280" y="1336680"/>
-            <a:ext cx="4798440" cy="3598200"/>
+            <a:ext cx="4798080" cy="3597840"/>
           </a:xfrm>
           <a:prstGeom prst="rect">
             <a:avLst/>
@@ -2465,7 +2465,7 @@
       </p:sp>
       <p:sp>
         <p:nvSpPr>
-          <p:cNvPr id="246" name="PlaceHolder 2"/>
+          <p:cNvPr id="242" name="PlaceHolder 2"/>
           <p:cNvSpPr>
             <a:spLocks noGrp="1"/>
           </p:cNvSpPr>
@@ -2476,7 +2476,7 @@
         <p:spPr>
           <a:xfrm>
             <a:off x="756000" y="5145120"/>
-            <a:ext cx="6038640" cy="4200840"/>
+            <a:ext cx="6038280" cy="4200480"/>
           </a:xfrm>
           <a:prstGeom prst="rect">
             <a:avLst/>
@@ -2499,14 +2499,14 @@
       </p:sp>
       <p:sp>
         <p:nvSpPr>
-          <p:cNvPr id="247" name="CustomShape 32"/>
+          <p:cNvPr id="243" name="CustomShape 32"/>
           <p:cNvSpPr/>
           <p:nvPr/>
         </p:nvSpPr>
         <p:spPr>
           <a:xfrm>
             <a:off x="0" y="10155240"/>
-            <a:ext cx="3267000" cy="527400"/>
+            <a:ext cx="3266640" cy="527040"/>
           </a:xfrm>
           <a:prstGeom prst="rect">
             <a:avLst/>
@@ -5635,7 +5635,7 @@
         <p:spPr>
           <a:xfrm>
             <a:off x="0" y="3150000"/>
-            <a:ext cx="9711000" cy="1251000"/>
+            <a:ext cx="9710640" cy="1250640"/>
           </a:xfrm>
           <a:prstGeom prst="rect">
             <a:avLst/>
@@ -5933,7 +5933,7 @@
         <p:spPr>
           <a:xfrm>
             <a:off x="0" y="180000"/>
-            <a:ext cx="9711000" cy="1251000"/>
+            <a:ext cx="9710640" cy="1250640"/>
           </a:xfrm>
           <a:prstGeom prst="rect">
             <a:avLst/>
@@ -5961,7 +5961,7 @@
         <p:spPr>
           <a:xfrm>
             <a:off x="7560000" y="6840000"/>
-            <a:ext cx="2511000" cy="531000"/>
+            <a:ext cx="2510640" cy="530640"/>
           </a:xfrm>
           <a:prstGeom prst="rect">
             <a:avLst/>
@@ -5989,7 +5989,7 @@
         <p:spPr>
           <a:xfrm>
             <a:off x="900000" y="6840000"/>
-            <a:ext cx="6471000" cy="531000"/>
+            <a:ext cx="6470640" cy="530640"/>
           </a:xfrm>
           <a:prstGeom prst="rect">
             <a:avLst/>
@@ -6017,7 +6017,7 @@
         <p:spPr>
           <a:xfrm>
             <a:off x="180000" y="6840000"/>
-            <a:ext cx="531000" cy="531000"/>
+            <a:ext cx="530640" cy="530640"/>
           </a:xfrm>
           <a:prstGeom prst="rect">
             <a:avLst/>
@@ -6306,7 +6306,7 @@
         <p:spPr>
           <a:xfrm>
             <a:off x="360000" y="3330000"/>
-            <a:ext cx="9351000" cy="891000"/>
+            <a:ext cx="9350640" cy="890640"/>
           </a:xfrm>
           <a:prstGeom prst="rect">
             <a:avLst/>
@@ -6358,7 +6358,7 @@
         <p:spPr>
           <a:xfrm>
             <a:off x="540000" y="4680000"/>
-            <a:ext cx="9171000" cy="2511000"/>
+            <a:ext cx="9170640" cy="2510640"/>
           </a:xfrm>
           <a:prstGeom prst="rect">
             <a:avLst/>
@@ -6590,14 +6590,14 @@
       </p:grpSpPr>
       <p:sp>
         <p:nvSpPr>
-          <p:cNvPr id="147" name="CustomShape 37"/>
+          <p:cNvPr id="143" name="CustomShape 37"/>
           <p:cNvSpPr/>
           <p:nvPr/>
         </p:nvSpPr>
         <p:spPr>
           <a:xfrm>
             <a:off x="360000" y="360000"/>
-            <a:ext cx="9351000" cy="891000"/>
+            <a:ext cx="9350640" cy="890640"/>
           </a:xfrm>
           <a:prstGeom prst="rect">
             <a:avLst/>
@@ -6642,14 +6642,14 @@
       </p:sp>
       <p:sp>
         <p:nvSpPr>
-          <p:cNvPr id="148" name="CustomShape 38"/>
+          <p:cNvPr id="144" name="CustomShape 38"/>
           <p:cNvSpPr/>
           <p:nvPr/>
         </p:nvSpPr>
         <p:spPr>
           <a:xfrm>
             <a:off x="897120" y="6886080"/>
-            <a:ext cx="6438240" cy="356040"/>
+            <a:ext cx="6437880" cy="355680"/>
           </a:xfrm>
           <a:prstGeom prst="rect">
             <a:avLst/>
@@ -6694,14 +6694,14 @@
       </p:sp>
       <p:sp>
         <p:nvSpPr>
-          <p:cNvPr id="149" name="CustomShape 39"/>
+          <p:cNvPr id="145" name="CustomShape 39"/>
           <p:cNvSpPr/>
           <p:nvPr/>
         </p:nvSpPr>
         <p:spPr>
           <a:xfrm>
             <a:off x="7608600" y="6886080"/>
-            <a:ext cx="2276280" cy="356040"/>
+            <a:ext cx="2275920" cy="355680"/>
           </a:xfrm>
           <a:prstGeom prst="rect">
             <a:avLst/>
@@ -6746,14 +6746,14 @@
       </p:sp>
       <p:sp>
         <p:nvSpPr>
-          <p:cNvPr id="150" name=""/>
+          <p:cNvPr id="146" name=""/>
           <p:cNvSpPr/>
           <p:nvPr/>
         </p:nvSpPr>
         <p:spPr>
           <a:xfrm>
             <a:off x="342360" y="1529280"/>
-            <a:ext cx="9377280" cy="5360760"/>
+            <a:ext cx="9376920" cy="5360400"/>
           </a:xfrm>
           <a:prstGeom prst="rect">
             <a:avLst/>
@@ -7140,14 +7140,14 @@
       </p:sp>
       <p:sp>
         <p:nvSpPr>
-          <p:cNvPr id="151" name=""/>
+          <p:cNvPr id="147" name=""/>
           <p:cNvSpPr/>
           <p:nvPr/>
         </p:nvSpPr>
         <p:spPr>
           <a:xfrm>
             <a:off x="333360" y="1317600"/>
-            <a:ext cx="9377280" cy="5360760"/>
+            <a:ext cx="9376920" cy="5360400"/>
           </a:xfrm>
           <a:prstGeom prst="rect">
             <a:avLst/>
@@ -7571,7 +7571,7 @@
       </p:sp>
       <p:pic>
         <p:nvPicPr>
-          <p:cNvPr id="152" name="" descr=""/>
+          <p:cNvPr id="148" name="" descr=""/>
           <p:cNvPicPr/>
           <p:nvPr/>
         </p:nvPicPr>
@@ -7582,7 +7582,7 @@
         <p:spPr>
           <a:xfrm>
             <a:off x="1355760" y="2880000"/>
-            <a:ext cx="7750800" cy="3240000"/>
+            <a:ext cx="7750440" cy="3239640"/>
           </a:xfrm>
           <a:prstGeom prst="rect">
             <a:avLst/>
@@ -7624,14 +7624,14 @@
       </p:grpSpPr>
       <p:sp>
         <p:nvSpPr>
-          <p:cNvPr id="153" name="CustomShape 41"/>
+          <p:cNvPr id="149" name="CustomShape 41"/>
           <p:cNvSpPr/>
           <p:nvPr/>
         </p:nvSpPr>
         <p:spPr>
           <a:xfrm>
             <a:off x="360000" y="360000"/>
-            <a:ext cx="9351000" cy="891000"/>
+            <a:ext cx="9350640" cy="890640"/>
           </a:xfrm>
           <a:prstGeom prst="rect">
             <a:avLst/>
@@ -7676,14 +7676,14 @@
       </p:sp>
       <p:sp>
         <p:nvSpPr>
-          <p:cNvPr id="154" name="CustomShape 42"/>
+          <p:cNvPr id="150" name="CustomShape 42"/>
           <p:cNvSpPr/>
           <p:nvPr/>
         </p:nvSpPr>
         <p:spPr>
           <a:xfrm>
             <a:off x="897120" y="6886080"/>
-            <a:ext cx="6438240" cy="356040"/>
+            <a:ext cx="6437880" cy="355680"/>
           </a:xfrm>
           <a:prstGeom prst="rect">
             <a:avLst/>
@@ -7728,14 +7728,14 @@
       </p:sp>
       <p:sp>
         <p:nvSpPr>
-          <p:cNvPr id="155" name="CustomShape 43"/>
+          <p:cNvPr id="151" name="CustomShape 43"/>
           <p:cNvSpPr/>
           <p:nvPr/>
         </p:nvSpPr>
         <p:spPr>
           <a:xfrm>
             <a:off x="7608600" y="6886080"/>
-            <a:ext cx="2276280" cy="356040"/>
+            <a:ext cx="2275920" cy="355680"/>
           </a:xfrm>
           <a:prstGeom prst="rect">
             <a:avLst/>
@@ -7780,14 +7780,14 @@
       </p:sp>
       <p:sp>
         <p:nvSpPr>
-          <p:cNvPr id="156" name=""/>
+          <p:cNvPr id="152" name=""/>
           <p:cNvSpPr/>
           <p:nvPr/>
         </p:nvSpPr>
         <p:spPr>
           <a:xfrm>
             <a:off x="342360" y="1529280"/>
-            <a:ext cx="9377280" cy="5360760"/>
+            <a:ext cx="9376920" cy="5360400"/>
           </a:xfrm>
           <a:prstGeom prst="rect">
             <a:avLst/>
@@ -8174,14 +8174,14 @@
       </p:sp>
       <p:sp>
         <p:nvSpPr>
-          <p:cNvPr id="157" name=""/>
+          <p:cNvPr id="153" name=""/>
           <p:cNvSpPr/>
           <p:nvPr/>
         </p:nvSpPr>
         <p:spPr>
           <a:xfrm>
             <a:off x="333360" y="1317600"/>
-            <a:ext cx="9377280" cy="5360760"/>
+            <a:ext cx="9376920" cy="5360400"/>
           </a:xfrm>
           <a:prstGeom prst="rect">
             <a:avLst/>
@@ -8343,16 +8343,11 @@
             </a:endParaRPr>
           </a:p>
           <a:p>
-            <a:pPr lvl="1" marL="432000" indent="-216000">
+            <a:pPr>
               <a:lnSpc>
                 <a:spcPct val="150000"/>
               </a:lnSpc>
-              <a:buClr>
-                <a:srgbClr val="000000"/>
-              </a:buClr>
-              <a:buSzPct val="45000"/>
-              <a:buFont typeface="Wingdings" charset="2"/>
-              <a:buChar char=""/>
+              <a:buNone/>
             </a:pPr>
             <a:endParaRPr b="0" lang="pt-BR" sz="1600" spc="-1" strike="noStrike">
               <a:latin typeface="Arial"/>
@@ -8751,7 +8746,7 @@
       </p:sp>
       <p:pic>
         <p:nvPicPr>
-          <p:cNvPr id="158" name="" descr=""/>
+          <p:cNvPr id="154" name="" descr=""/>
           <p:cNvPicPr/>
           <p:nvPr/>
         </p:nvPicPr>
@@ -8762,7 +8757,7 @@
         <p:spPr>
           <a:xfrm>
             <a:off x="3772440" y="1878120"/>
-            <a:ext cx="5047560" cy="4961880"/>
+            <a:ext cx="5047200" cy="4961520"/>
           </a:xfrm>
           <a:prstGeom prst="rect">
             <a:avLst/>
@@ -8774,7 +8769,7 @@
       </p:pic>
       <p:pic>
         <p:nvPicPr>
-          <p:cNvPr id="159" name="" descr=""/>
+          <p:cNvPr id="155" name="" descr=""/>
           <p:cNvPicPr/>
           <p:nvPr/>
         </p:nvPicPr>
@@ -8785,7 +8780,7 @@
         <p:spPr>
           <a:xfrm>
             <a:off x="900000" y="4572720"/>
-            <a:ext cx="2700000" cy="549000"/>
+            <a:ext cx="2699640" cy="548640"/>
           </a:xfrm>
           <a:prstGeom prst="rect">
             <a:avLst/>
@@ -8827,14 +8822,14 @@
       </p:grpSpPr>
       <p:sp>
         <p:nvSpPr>
-          <p:cNvPr id="160" name="CustomShape 49"/>
+          <p:cNvPr id="156" name="CustomShape 49"/>
           <p:cNvSpPr/>
           <p:nvPr/>
         </p:nvSpPr>
         <p:spPr>
           <a:xfrm>
             <a:off x="360000" y="360000"/>
-            <a:ext cx="9351000" cy="891000"/>
+            <a:ext cx="9350640" cy="890640"/>
           </a:xfrm>
           <a:prstGeom prst="rect">
             <a:avLst/>
@@ -8879,14 +8874,14 @@
       </p:sp>
       <p:sp>
         <p:nvSpPr>
-          <p:cNvPr id="161" name="CustomShape 50"/>
+          <p:cNvPr id="157" name="CustomShape 50"/>
           <p:cNvSpPr/>
           <p:nvPr/>
         </p:nvSpPr>
         <p:spPr>
           <a:xfrm>
             <a:off x="897120" y="6886080"/>
-            <a:ext cx="6438240" cy="356040"/>
+            <a:ext cx="6437880" cy="355680"/>
           </a:xfrm>
           <a:prstGeom prst="rect">
             <a:avLst/>
@@ -8931,14 +8926,14 @@
       </p:sp>
       <p:sp>
         <p:nvSpPr>
-          <p:cNvPr id="162" name="CustomShape 51"/>
+          <p:cNvPr id="158" name="CustomShape 51"/>
           <p:cNvSpPr/>
           <p:nvPr/>
         </p:nvSpPr>
         <p:spPr>
           <a:xfrm>
             <a:off x="7608600" y="6886080"/>
-            <a:ext cx="2276280" cy="356040"/>
+            <a:ext cx="2275920" cy="355680"/>
           </a:xfrm>
           <a:prstGeom prst="rect">
             <a:avLst/>
@@ -8983,14 +8978,14 @@
       </p:sp>
       <p:sp>
         <p:nvSpPr>
-          <p:cNvPr id="163" name=""/>
+          <p:cNvPr id="159" name=""/>
           <p:cNvSpPr/>
           <p:nvPr/>
         </p:nvSpPr>
         <p:spPr>
           <a:xfrm>
             <a:off x="342360" y="1529280"/>
-            <a:ext cx="9377280" cy="5360760"/>
+            <a:ext cx="9376920" cy="5360400"/>
           </a:xfrm>
           <a:prstGeom prst="rect">
             <a:avLst/>
@@ -9377,14 +9372,14 @@
       </p:sp>
       <p:sp>
         <p:nvSpPr>
-          <p:cNvPr id="164" name=""/>
+          <p:cNvPr id="160" name=""/>
           <p:cNvSpPr/>
           <p:nvPr/>
         </p:nvSpPr>
         <p:spPr>
           <a:xfrm>
             <a:off x="333360" y="1317600"/>
-            <a:ext cx="9377280" cy="5360760"/>
+            <a:ext cx="9376920" cy="5360400"/>
           </a:xfrm>
           <a:prstGeom prst="rect">
             <a:avLst/>
@@ -9856,7 +9851,7 @@
       </p:sp>
       <p:pic>
         <p:nvPicPr>
-          <p:cNvPr id="165" name="" descr=""/>
+          <p:cNvPr id="161" name="" descr=""/>
           <p:cNvPicPr/>
           <p:nvPr/>
         </p:nvPicPr>
@@ -9868,7 +9863,7 @@
         <p:spPr>
           <a:xfrm>
             <a:off x="5220000" y="2292480"/>
-            <a:ext cx="4595760" cy="2027160"/>
+            <a:ext cx="4595400" cy="2026800"/>
           </a:xfrm>
           <a:prstGeom prst="rect">
             <a:avLst/>
@@ -9880,7 +9875,7 @@
       </p:pic>
       <p:pic>
         <p:nvPicPr>
-          <p:cNvPr id="166" name="" descr=""/>
+          <p:cNvPr id="162" name="" descr=""/>
           <p:cNvPicPr/>
           <p:nvPr/>
         </p:nvPicPr>
@@ -9891,7 +9886,7 @@
         <p:spPr>
           <a:xfrm>
             <a:off x="1080000" y="2340000"/>
-            <a:ext cx="1439640" cy="624960"/>
+            <a:ext cx="1439280" cy="624600"/>
           </a:xfrm>
           <a:prstGeom prst="rect">
             <a:avLst/>
@@ -9903,7 +9898,7 @@
       </p:pic>
       <p:pic>
         <p:nvPicPr>
-          <p:cNvPr id="167" name="" descr=""/>
+          <p:cNvPr id="163" name="" descr=""/>
           <p:cNvPicPr/>
           <p:nvPr/>
         </p:nvPicPr>
@@ -9915,7 +9910,7 @@
         <p:spPr>
           <a:xfrm>
             <a:off x="3211560" y="2340000"/>
-            <a:ext cx="1829160" cy="539640"/>
+            <a:ext cx="1828800" cy="539280"/>
           </a:xfrm>
           <a:prstGeom prst="rect">
             <a:avLst/>
@@ -9927,7 +9922,7 @@
       </p:pic>
       <p:pic>
         <p:nvPicPr>
-          <p:cNvPr id="168" name="" descr=""/>
+          <p:cNvPr id="164" name="" descr=""/>
           <p:cNvPicPr/>
           <p:nvPr/>
         </p:nvPicPr>
@@ -9938,7 +9933,7 @@
         <p:spPr>
           <a:xfrm>
             <a:off x="3240000" y="3132000"/>
-            <a:ext cx="1662120" cy="467640"/>
+            <a:ext cx="1661760" cy="467280"/>
           </a:xfrm>
           <a:prstGeom prst="rect">
             <a:avLst/>
@@ -9950,7 +9945,7 @@
       </p:pic>
       <p:pic>
         <p:nvPicPr>
-          <p:cNvPr id="169" name="" descr=""/>
+          <p:cNvPr id="165" name="" descr=""/>
           <p:cNvPicPr/>
           <p:nvPr/>
         </p:nvPicPr>
@@ -9961,7 +9956,7 @@
         <p:spPr>
           <a:xfrm>
             <a:off x="1080000" y="3732840"/>
-            <a:ext cx="1648800" cy="372240"/>
+            <a:ext cx="1648440" cy="371880"/>
           </a:xfrm>
           <a:prstGeom prst="rect">
             <a:avLst/>
@@ -9973,14 +9968,14 @@
       </p:pic>
       <p:sp>
         <p:nvSpPr>
-          <p:cNvPr id="170" name=""/>
+          <p:cNvPr id="166" name=""/>
           <p:cNvSpPr/>
           <p:nvPr/>
         </p:nvSpPr>
         <p:spPr>
           <a:xfrm>
             <a:off x="2700000" y="2520000"/>
-            <a:ext cx="359640" cy="179640"/>
+            <a:ext cx="359280" cy="179280"/>
           </a:xfrm>
           <a:custGeom>
             <a:avLst/>
@@ -10030,14 +10025,14 @@
       </p:sp>
       <p:sp>
         <p:nvSpPr>
-          <p:cNvPr id="171" name=""/>
+          <p:cNvPr id="167" name=""/>
           <p:cNvSpPr/>
           <p:nvPr/>
         </p:nvSpPr>
         <p:spPr>
           <a:xfrm>
             <a:off x="2700000" y="3240000"/>
-            <a:ext cx="359640" cy="179640"/>
+            <a:ext cx="359280" cy="179280"/>
           </a:xfrm>
           <a:custGeom>
             <a:avLst/>
@@ -10087,7 +10082,7 @@
       </p:sp>
       <p:pic>
         <p:nvPicPr>
-          <p:cNvPr id="172" name="" descr=""/>
+          <p:cNvPr id="168" name="" descr=""/>
           <p:cNvPicPr/>
           <p:nvPr/>
         </p:nvPicPr>
@@ -10098,7 +10093,7 @@
         <p:spPr>
           <a:xfrm>
             <a:off x="3282480" y="3636000"/>
-            <a:ext cx="677160" cy="503640"/>
+            <a:ext cx="676800" cy="503280"/>
           </a:xfrm>
           <a:prstGeom prst="rect">
             <a:avLst/>
@@ -10110,14 +10105,14 @@
       </p:pic>
       <p:sp>
         <p:nvSpPr>
-          <p:cNvPr id="173" name=""/>
+          <p:cNvPr id="169" name=""/>
           <p:cNvSpPr/>
           <p:nvPr/>
         </p:nvSpPr>
         <p:spPr>
           <a:xfrm>
             <a:off x="2700000" y="3780000"/>
-            <a:ext cx="359640" cy="179640"/>
+            <a:ext cx="359280" cy="179280"/>
           </a:xfrm>
           <a:custGeom>
             <a:avLst/>
@@ -10167,7 +10162,7 @@
       </p:sp>
       <p:pic>
         <p:nvPicPr>
-          <p:cNvPr id="174" name="" descr=""/>
+          <p:cNvPr id="170" name="" descr=""/>
           <p:cNvPicPr/>
           <p:nvPr/>
         </p:nvPicPr>
@@ -10178,7 +10173,7 @@
         <p:spPr>
           <a:xfrm>
             <a:off x="390600" y="5094720"/>
-            <a:ext cx="3209040" cy="484920"/>
+            <a:ext cx="3208680" cy="484560"/>
           </a:xfrm>
           <a:prstGeom prst="rect">
             <a:avLst/>
@@ -10190,7 +10185,7 @@
       </p:pic>
       <p:pic>
         <p:nvPicPr>
-          <p:cNvPr id="175" name="" descr=""/>
+          <p:cNvPr id="171" name="" descr=""/>
           <p:cNvPicPr/>
           <p:nvPr/>
         </p:nvPicPr>
@@ -10201,7 +10196,7 @@
         <p:spPr>
           <a:xfrm>
             <a:off x="756000" y="5631480"/>
-            <a:ext cx="3599640" cy="488160"/>
+            <a:ext cx="3599280" cy="487800"/>
           </a:xfrm>
           <a:prstGeom prst="rect">
             <a:avLst/>
@@ -10213,7 +10208,7 @@
       </p:pic>
       <p:pic>
         <p:nvPicPr>
-          <p:cNvPr id="176" name="" descr=""/>
+          <p:cNvPr id="172" name="" descr=""/>
           <p:cNvPicPr/>
           <p:nvPr/>
         </p:nvPicPr>
@@ -10224,7 +10219,7 @@
         <p:spPr>
           <a:xfrm>
             <a:off x="5527800" y="5220000"/>
-            <a:ext cx="4191840" cy="719640"/>
+            <a:ext cx="4191480" cy="719280"/>
           </a:xfrm>
           <a:prstGeom prst="rect">
             <a:avLst/>
@@ -10236,14 +10231,14 @@
       </p:pic>
       <p:sp>
         <p:nvSpPr>
-          <p:cNvPr id="177" name=""/>
+          <p:cNvPr id="173" name=""/>
           <p:cNvSpPr/>
           <p:nvPr/>
         </p:nvSpPr>
         <p:spPr>
           <a:xfrm>
             <a:off x="3960000" y="5256000"/>
-            <a:ext cx="1439640" cy="539640"/>
+            <a:ext cx="1439280" cy="539280"/>
           </a:xfrm>
           <a:custGeom>
             <a:avLst/>
@@ -10341,7 +10336,7 @@
       </p:sp>
       <p:pic>
         <p:nvPicPr>
-          <p:cNvPr id="178" name="" descr=""/>
+          <p:cNvPr id="174" name="" descr=""/>
           <p:cNvPicPr/>
           <p:nvPr/>
         </p:nvPicPr>
@@ -10352,7 +10347,7 @@
         <p:spPr>
           <a:xfrm>
             <a:off x="1080000" y="3248640"/>
-            <a:ext cx="1439640" cy="207000"/>
+            <a:ext cx="1439280" cy="206640"/>
           </a:xfrm>
           <a:prstGeom prst="rect">
             <a:avLst/>
@@ -10394,14 +10389,14 @@
       </p:grpSpPr>
       <p:sp>
         <p:nvSpPr>
-          <p:cNvPr id="179" name="CustomShape 45"/>
+          <p:cNvPr id="175" name="CustomShape 45"/>
           <p:cNvSpPr/>
           <p:nvPr/>
         </p:nvSpPr>
         <p:spPr>
           <a:xfrm>
             <a:off x="360000" y="360000"/>
-            <a:ext cx="9351000" cy="891000"/>
+            <a:ext cx="9350640" cy="890640"/>
           </a:xfrm>
           <a:prstGeom prst="rect">
             <a:avLst/>
@@ -10446,14 +10441,14 @@
       </p:sp>
       <p:sp>
         <p:nvSpPr>
-          <p:cNvPr id="180" name="CustomShape 46"/>
+          <p:cNvPr id="176" name="CustomShape 46"/>
           <p:cNvSpPr/>
           <p:nvPr/>
         </p:nvSpPr>
         <p:spPr>
           <a:xfrm>
             <a:off x="897120" y="6886080"/>
-            <a:ext cx="6438240" cy="356040"/>
+            <a:ext cx="6437880" cy="355680"/>
           </a:xfrm>
           <a:prstGeom prst="rect">
             <a:avLst/>
@@ -10498,14 +10493,14 @@
       </p:sp>
       <p:sp>
         <p:nvSpPr>
-          <p:cNvPr id="181" name="CustomShape 47"/>
+          <p:cNvPr id="177" name="CustomShape 47"/>
           <p:cNvSpPr/>
           <p:nvPr/>
         </p:nvSpPr>
         <p:spPr>
           <a:xfrm>
             <a:off x="7608600" y="6886080"/>
-            <a:ext cx="2276280" cy="356040"/>
+            <a:ext cx="2275920" cy="355680"/>
           </a:xfrm>
           <a:prstGeom prst="rect">
             <a:avLst/>
@@ -10550,14 +10545,14 @@
       </p:sp>
       <p:sp>
         <p:nvSpPr>
-          <p:cNvPr id="182" name=""/>
+          <p:cNvPr id="178" name=""/>
           <p:cNvSpPr/>
           <p:nvPr/>
         </p:nvSpPr>
         <p:spPr>
           <a:xfrm>
             <a:off x="342360" y="1529280"/>
-            <a:ext cx="9377280" cy="5360760"/>
+            <a:ext cx="9376920" cy="5360400"/>
           </a:xfrm>
           <a:prstGeom prst="rect">
             <a:avLst/>
@@ -10944,14 +10939,14 @@
       </p:sp>
       <p:sp>
         <p:nvSpPr>
-          <p:cNvPr id="183" name=""/>
+          <p:cNvPr id="179" name=""/>
           <p:cNvSpPr/>
           <p:nvPr/>
         </p:nvSpPr>
         <p:spPr>
           <a:xfrm>
             <a:off x="333360" y="1317600"/>
-            <a:ext cx="9377280" cy="5360760"/>
+            <a:ext cx="9376920" cy="5360400"/>
           </a:xfrm>
           <a:prstGeom prst="rect">
             <a:avLst/>
@@ -11438,7 +11433,7 @@
       </p:sp>
       <p:pic>
         <p:nvPicPr>
-          <p:cNvPr id="184" name="" descr=""/>
+          <p:cNvPr id="180" name="" descr=""/>
           <p:cNvPicPr/>
           <p:nvPr/>
         </p:nvPicPr>
@@ -11449,7 +11444,7 @@
         <p:spPr>
           <a:xfrm>
             <a:off x="6885360" y="1624320"/>
-            <a:ext cx="2474280" cy="2515320"/>
+            <a:ext cx="2473920" cy="2514960"/>
           </a:xfrm>
           <a:prstGeom prst="rect">
             <a:avLst/>
@@ -11461,7 +11456,7 @@
       </p:pic>
       <p:pic>
         <p:nvPicPr>
-          <p:cNvPr id="185" name="" descr=""/>
+          <p:cNvPr id="181" name="" descr=""/>
           <p:cNvPicPr/>
           <p:nvPr/>
         </p:nvPicPr>
@@ -11472,7 +11467,7 @@
         <p:spPr>
           <a:xfrm>
             <a:off x="4170960" y="3780000"/>
-            <a:ext cx="3388680" cy="2339640"/>
+            <a:ext cx="3388320" cy="2339280"/>
           </a:xfrm>
           <a:prstGeom prst="rect">
             <a:avLst/>
@@ -11484,7 +11479,7 @@
       </p:pic>
       <p:pic>
         <p:nvPicPr>
-          <p:cNvPr id="186" name="" descr=""/>
+          <p:cNvPr id="182" name="" descr=""/>
           <p:cNvPicPr/>
           <p:nvPr/>
         </p:nvPicPr>
@@ -11495,7 +11490,7 @@
         <p:spPr>
           <a:xfrm>
             <a:off x="896400" y="5040000"/>
-            <a:ext cx="2523240" cy="570960"/>
+            <a:ext cx="2522880" cy="570600"/>
           </a:xfrm>
           <a:prstGeom prst="rect">
             <a:avLst/>
@@ -11507,7 +11502,7 @@
       </p:pic>
       <p:pic>
         <p:nvPicPr>
-          <p:cNvPr id="187" name="" descr=""/>
+          <p:cNvPr id="183" name="" descr=""/>
           <p:cNvPicPr/>
           <p:nvPr/>
         </p:nvPicPr>
@@ -11518,7 +11513,7 @@
         <p:spPr>
           <a:xfrm>
             <a:off x="964800" y="4260240"/>
-            <a:ext cx="2094840" cy="599400"/>
+            <a:ext cx="2094480" cy="599040"/>
           </a:xfrm>
           <a:prstGeom prst="rect">
             <a:avLst/>
@@ -11560,14 +11555,14 @@
       </p:grpSpPr>
       <p:sp>
         <p:nvSpPr>
-          <p:cNvPr id="188" name="CustomShape 53"/>
+          <p:cNvPr id="184" name="CustomShape 53"/>
           <p:cNvSpPr/>
           <p:nvPr/>
         </p:nvSpPr>
         <p:spPr>
           <a:xfrm>
             <a:off x="360000" y="360000"/>
-            <a:ext cx="9351000" cy="891000"/>
+            <a:ext cx="9350640" cy="890640"/>
           </a:xfrm>
           <a:prstGeom prst="rect">
             <a:avLst/>
@@ -11612,14 +11607,14 @@
       </p:sp>
       <p:sp>
         <p:nvSpPr>
-          <p:cNvPr id="189" name="CustomShape 54"/>
+          <p:cNvPr id="185" name="CustomShape 54"/>
           <p:cNvSpPr/>
           <p:nvPr/>
         </p:nvSpPr>
         <p:spPr>
           <a:xfrm>
             <a:off x="897120" y="6886080"/>
-            <a:ext cx="6438240" cy="356040"/>
+            <a:ext cx="6437880" cy="355680"/>
           </a:xfrm>
           <a:prstGeom prst="rect">
             <a:avLst/>
@@ -11664,14 +11659,14 @@
       </p:sp>
       <p:sp>
         <p:nvSpPr>
-          <p:cNvPr id="190" name="CustomShape 55"/>
+          <p:cNvPr id="186" name="CustomShape 55"/>
           <p:cNvSpPr/>
           <p:nvPr/>
         </p:nvSpPr>
         <p:spPr>
           <a:xfrm>
             <a:off x="7608600" y="6886080"/>
-            <a:ext cx="2276280" cy="356040"/>
+            <a:ext cx="2275920" cy="355680"/>
           </a:xfrm>
           <a:prstGeom prst="rect">
             <a:avLst/>
@@ -11716,14 +11711,14 @@
       </p:sp>
       <p:sp>
         <p:nvSpPr>
-          <p:cNvPr id="191" name=""/>
+          <p:cNvPr id="187" name=""/>
           <p:cNvSpPr/>
           <p:nvPr/>
         </p:nvSpPr>
         <p:spPr>
           <a:xfrm>
             <a:off x="342360" y="1529280"/>
-            <a:ext cx="9377280" cy="5360760"/>
+            <a:ext cx="9376920" cy="5360400"/>
           </a:xfrm>
           <a:prstGeom prst="rect">
             <a:avLst/>
@@ -12110,14 +12105,14 @@
       </p:sp>
       <p:sp>
         <p:nvSpPr>
-          <p:cNvPr id="192" name=""/>
+          <p:cNvPr id="188" name=""/>
           <p:cNvSpPr/>
           <p:nvPr/>
         </p:nvSpPr>
         <p:spPr>
           <a:xfrm>
             <a:off x="333360" y="1317600"/>
-            <a:ext cx="9377280" cy="5360760"/>
+            <a:ext cx="9376920" cy="5360400"/>
           </a:xfrm>
           <a:prstGeom prst="rect">
             <a:avLst/>
@@ -12486,7 +12481,7 @@
       </p:sp>
       <p:pic>
         <p:nvPicPr>
-          <p:cNvPr id="193" name="" descr=""/>
+          <p:cNvPr id="189" name="" descr=""/>
           <p:cNvPicPr/>
           <p:nvPr/>
         </p:nvPicPr>
@@ -12497,7 +12492,7 @@
         <p:spPr>
           <a:xfrm>
             <a:off x="1043640" y="2475360"/>
-            <a:ext cx="3276000" cy="3104280"/>
+            <a:ext cx="3275640" cy="3103920"/>
           </a:xfrm>
           <a:prstGeom prst="rect">
             <a:avLst/>
@@ -12509,7 +12504,7 @@
       </p:pic>
       <p:pic>
         <p:nvPicPr>
-          <p:cNvPr id="194" name="" descr=""/>
+          <p:cNvPr id="190" name="" descr=""/>
           <p:cNvPicPr/>
           <p:nvPr/>
         </p:nvPicPr>
@@ -12520,7 +12515,7 @@
         <p:spPr>
           <a:xfrm>
             <a:off x="5484600" y="2700000"/>
-            <a:ext cx="3695040" cy="2723400"/>
+            <a:ext cx="3694680" cy="2723040"/>
           </a:xfrm>
           <a:prstGeom prst="rect">
             <a:avLst/>
@@ -12562,14 +12557,14 @@
       </p:grpSpPr>
       <p:sp>
         <p:nvSpPr>
-          <p:cNvPr id="195" name="CustomShape 57"/>
+          <p:cNvPr id="191" name="CustomShape 57"/>
           <p:cNvSpPr/>
           <p:nvPr/>
         </p:nvSpPr>
         <p:spPr>
           <a:xfrm>
             <a:off x="360000" y="360000"/>
-            <a:ext cx="9351000" cy="891000"/>
+            <a:ext cx="9350640" cy="890640"/>
           </a:xfrm>
           <a:prstGeom prst="rect">
             <a:avLst/>
@@ -12614,14 +12609,14 @@
       </p:sp>
       <p:sp>
         <p:nvSpPr>
-          <p:cNvPr id="196" name="CustomShape 58"/>
+          <p:cNvPr id="192" name="CustomShape 58"/>
           <p:cNvSpPr/>
           <p:nvPr/>
         </p:nvSpPr>
         <p:spPr>
           <a:xfrm>
             <a:off x="897120" y="6886080"/>
-            <a:ext cx="6438240" cy="356040"/>
+            <a:ext cx="6437880" cy="355680"/>
           </a:xfrm>
           <a:prstGeom prst="rect">
             <a:avLst/>
@@ -12666,14 +12661,14 @@
       </p:sp>
       <p:sp>
         <p:nvSpPr>
-          <p:cNvPr id="197" name="CustomShape 59"/>
+          <p:cNvPr id="193" name="CustomShape 59"/>
           <p:cNvSpPr/>
           <p:nvPr/>
         </p:nvSpPr>
         <p:spPr>
           <a:xfrm>
             <a:off x="7608600" y="6886080"/>
-            <a:ext cx="2276280" cy="356040"/>
+            <a:ext cx="2275920" cy="355680"/>
           </a:xfrm>
           <a:prstGeom prst="rect">
             <a:avLst/>
@@ -12718,14 +12713,14 @@
       </p:sp>
       <p:sp>
         <p:nvSpPr>
-          <p:cNvPr id="198" name=""/>
+          <p:cNvPr id="194" name=""/>
           <p:cNvSpPr/>
           <p:nvPr/>
         </p:nvSpPr>
         <p:spPr>
           <a:xfrm>
             <a:off x="342360" y="1529280"/>
-            <a:ext cx="9377280" cy="5360760"/>
+            <a:ext cx="9376920" cy="5360400"/>
           </a:xfrm>
           <a:prstGeom prst="rect">
             <a:avLst/>
@@ -13112,14 +13107,14 @@
       </p:sp>
       <p:sp>
         <p:nvSpPr>
-          <p:cNvPr id="199" name=""/>
+          <p:cNvPr id="195" name=""/>
           <p:cNvSpPr/>
           <p:nvPr/>
         </p:nvSpPr>
         <p:spPr>
           <a:xfrm>
             <a:off x="333360" y="1317600"/>
-            <a:ext cx="9377280" cy="5360760"/>
+            <a:ext cx="9376920" cy="5360400"/>
           </a:xfrm>
           <a:prstGeom prst="rect">
             <a:avLst/>
@@ -13554,7 +13549,7 @@
       </p:sp>
       <p:pic>
         <p:nvPicPr>
-          <p:cNvPr id="200" name="" descr=""/>
+          <p:cNvPr id="196" name="" descr=""/>
           <p:cNvPicPr/>
           <p:nvPr/>
         </p:nvPicPr>
@@ -13565,7 +13560,7 @@
         <p:spPr>
           <a:xfrm>
             <a:off x="596520" y="2553840"/>
-            <a:ext cx="5343120" cy="1260360"/>
+            <a:ext cx="5342760" cy="1260000"/>
           </a:xfrm>
           <a:prstGeom prst="rect">
             <a:avLst/>
@@ -13577,7 +13572,7 @@
       </p:pic>
       <p:pic>
         <p:nvPicPr>
-          <p:cNvPr id="201" name="" descr=""/>
+          <p:cNvPr id="197" name="" descr=""/>
           <p:cNvPicPr/>
           <p:nvPr/>
         </p:nvPicPr>
@@ -13588,7 +13583,7 @@
         <p:spPr>
           <a:xfrm>
             <a:off x="720000" y="4061160"/>
-            <a:ext cx="5219640" cy="2183760"/>
+            <a:ext cx="5219280" cy="2183400"/>
           </a:xfrm>
           <a:prstGeom prst="rect">
             <a:avLst/>
@@ -13600,7 +13595,7 @@
       </p:pic>
       <p:pic>
         <p:nvPicPr>
-          <p:cNvPr id="202" name="" descr=""/>
+          <p:cNvPr id="198" name="" descr=""/>
           <p:cNvPicPr/>
           <p:nvPr/>
         </p:nvPicPr>
@@ -13611,7 +13606,7 @@
         <p:spPr>
           <a:xfrm>
             <a:off x="7144920" y="3606840"/>
-            <a:ext cx="1494720" cy="532800"/>
+            <a:ext cx="1494360" cy="532440"/>
           </a:xfrm>
           <a:prstGeom prst="rect">
             <a:avLst/>
@@ -13623,7 +13618,7 @@
       </p:pic>
       <p:pic>
         <p:nvPicPr>
-          <p:cNvPr id="203" name="" descr=""/>
+          <p:cNvPr id="199" name="" descr=""/>
           <p:cNvPicPr/>
           <p:nvPr/>
         </p:nvPicPr>
@@ -13634,7 +13629,7 @@
         <p:spPr>
           <a:xfrm>
             <a:off x="5400000" y="1836000"/>
-            <a:ext cx="208800" cy="199440"/>
+            <a:ext cx="208440" cy="199080"/>
           </a:xfrm>
           <a:prstGeom prst="rect">
             <a:avLst/>
@@ -13646,7 +13641,7 @@
       </p:pic>
       <p:pic>
         <p:nvPicPr>
-          <p:cNvPr id="204" name="" descr=""/>
+          <p:cNvPr id="200" name="" descr=""/>
           <p:cNvPicPr/>
           <p:nvPr/>
         </p:nvPicPr>
@@ -13657,7 +13652,7 @@
         <p:spPr>
           <a:xfrm>
             <a:off x="6696000" y="4497840"/>
-            <a:ext cx="2513520" cy="541800"/>
+            <a:ext cx="2513160" cy="541440"/>
           </a:xfrm>
           <a:prstGeom prst="rect">
             <a:avLst/>
@@ -13669,14 +13664,14 @@
       </p:pic>
       <p:sp>
         <p:nvSpPr>
-          <p:cNvPr id="205" name=""/>
+          <p:cNvPr id="201" name=""/>
           <p:cNvSpPr/>
           <p:nvPr/>
         </p:nvSpPr>
         <p:spPr>
           <a:xfrm>
             <a:off x="7236000" y="4356000"/>
-            <a:ext cx="179640" cy="177480"/>
+            <a:ext cx="179280" cy="177120"/>
           </a:xfrm>
           <a:custGeom>
             <a:avLst/>
@@ -13756,14 +13751,14 @@
       </p:grpSpPr>
       <p:sp>
         <p:nvSpPr>
-          <p:cNvPr id="206" name="CustomShape 61"/>
+          <p:cNvPr id="202" name="CustomShape 61"/>
           <p:cNvSpPr/>
           <p:nvPr/>
         </p:nvSpPr>
         <p:spPr>
           <a:xfrm>
             <a:off x="360000" y="360000"/>
-            <a:ext cx="9351000" cy="891000"/>
+            <a:ext cx="9350640" cy="890640"/>
           </a:xfrm>
           <a:prstGeom prst="rect">
             <a:avLst/>
@@ -13808,14 +13803,14 @@
       </p:sp>
       <p:sp>
         <p:nvSpPr>
-          <p:cNvPr id="207" name="CustomShape 62"/>
+          <p:cNvPr id="203" name="CustomShape 62"/>
           <p:cNvSpPr/>
           <p:nvPr/>
         </p:nvSpPr>
         <p:spPr>
           <a:xfrm>
             <a:off x="897120" y="6886080"/>
-            <a:ext cx="6438240" cy="356040"/>
+            <a:ext cx="6437880" cy="355680"/>
           </a:xfrm>
           <a:prstGeom prst="rect">
             <a:avLst/>
@@ -13860,14 +13855,14 @@
       </p:sp>
       <p:sp>
         <p:nvSpPr>
-          <p:cNvPr id="208" name="CustomShape 63"/>
+          <p:cNvPr id="204" name="CustomShape 63"/>
           <p:cNvSpPr/>
           <p:nvPr/>
         </p:nvSpPr>
         <p:spPr>
           <a:xfrm>
             <a:off x="7608600" y="6886080"/>
-            <a:ext cx="2276280" cy="356040"/>
+            <a:ext cx="2275920" cy="355680"/>
           </a:xfrm>
           <a:prstGeom prst="rect">
             <a:avLst/>
@@ -13912,14 +13907,14 @@
       </p:sp>
       <p:sp>
         <p:nvSpPr>
-          <p:cNvPr id="209" name=""/>
+          <p:cNvPr id="205" name=""/>
           <p:cNvSpPr/>
           <p:nvPr/>
         </p:nvSpPr>
         <p:spPr>
           <a:xfrm>
             <a:off x="342360" y="1529280"/>
-            <a:ext cx="9377280" cy="5360760"/>
+            <a:ext cx="9376920" cy="5360400"/>
           </a:xfrm>
           <a:prstGeom prst="rect">
             <a:avLst/>
@@ -14306,14 +14301,14 @@
       </p:sp>
       <p:sp>
         <p:nvSpPr>
-          <p:cNvPr id="210" name=""/>
+          <p:cNvPr id="206" name=""/>
           <p:cNvSpPr/>
           <p:nvPr/>
         </p:nvSpPr>
         <p:spPr>
           <a:xfrm>
             <a:off x="333360" y="1317600"/>
-            <a:ext cx="9377280" cy="5360760"/>
+            <a:ext cx="9376920" cy="5360400"/>
           </a:xfrm>
           <a:prstGeom prst="rect">
             <a:avLst/>
@@ -14837,7 +14832,7 @@
       </p:sp>
       <p:pic>
         <p:nvPicPr>
-          <p:cNvPr id="211" name="" descr=""/>
+          <p:cNvPr id="207" name="" descr=""/>
           <p:cNvPicPr/>
           <p:nvPr/>
         </p:nvPicPr>
@@ -14848,7 +14843,7 @@
         <p:spPr>
           <a:xfrm>
             <a:off x="2311560" y="4140000"/>
-            <a:ext cx="1828080" cy="418320"/>
+            <a:ext cx="1827720" cy="417960"/>
           </a:xfrm>
           <a:prstGeom prst="rect">
             <a:avLst/>
@@ -14860,7 +14855,7 @@
       </p:pic>
       <p:pic>
         <p:nvPicPr>
-          <p:cNvPr id="212" name="" descr=""/>
+          <p:cNvPr id="208" name="" descr=""/>
           <p:cNvPicPr/>
           <p:nvPr/>
         </p:nvPicPr>
@@ -14871,7 +14866,7 @@
         <p:spPr>
           <a:xfrm>
             <a:off x="2166840" y="5805000"/>
-            <a:ext cx="2332800" cy="494640"/>
+            <a:ext cx="2332440" cy="494280"/>
           </a:xfrm>
           <a:prstGeom prst="rect">
             <a:avLst/>
@@ -14883,7 +14878,7 @@
       </p:pic>
       <p:pic>
         <p:nvPicPr>
-          <p:cNvPr id="213" name="" descr=""/>
+          <p:cNvPr id="209" name="" descr=""/>
           <p:cNvPicPr/>
           <p:nvPr/>
         </p:nvPicPr>
@@ -14894,7 +14889,7 @@
         <p:spPr>
           <a:xfrm>
             <a:off x="4840560" y="1476000"/>
-            <a:ext cx="1999080" cy="1665720"/>
+            <a:ext cx="1998720" cy="1665360"/>
           </a:xfrm>
           <a:prstGeom prst="rect">
             <a:avLst/>
@@ -14906,7 +14901,7 @@
       </p:pic>
       <p:pic>
         <p:nvPicPr>
-          <p:cNvPr id="214" name="" descr=""/>
+          <p:cNvPr id="210" name="" descr=""/>
           <p:cNvPicPr/>
           <p:nvPr/>
         </p:nvPicPr>
@@ -14917,7 +14912,7 @@
         <p:spPr>
           <a:xfrm>
             <a:off x="4840560" y="5120640"/>
-            <a:ext cx="1999080" cy="1665720"/>
+            <a:ext cx="1998720" cy="1665360"/>
           </a:xfrm>
           <a:prstGeom prst="rect">
             <a:avLst/>
@@ -14929,7 +14924,7 @@
       </p:pic>
       <p:pic>
         <p:nvPicPr>
-          <p:cNvPr id="215" name="" descr=""/>
+          <p:cNvPr id="211" name="" descr=""/>
           <p:cNvPicPr/>
           <p:nvPr/>
         </p:nvPicPr>
@@ -14940,7 +14935,7 @@
         <p:spPr>
           <a:xfrm>
             <a:off x="4840560" y="3285000"/>
-            <a:ext cx="1999080" cy="1646640"/>
+            <a:ext cx="1998720" cy="1646280"/>
           </a:xfrm>
           <a:prstGeom prst="rect">
             <a:avLst/>
@@ -14982,14 +14977,14 @@
       </p:grpSpPr>
       <p:sp>
         <p:nvSpPr>
-          <p:cNvPr id="216" name="CustomShape 65"/>
+          <p:cNvPr id="212" name="CustomShape 65"/>
           <p:cNvSpPr/>
           <p:nvPr/>
         </p:nvSpPr>
         <p:spPr>
           <a:xfrm>
             <a:off x="360000" y="360000"/>
-            <a:ext cx="9351000" cy="891000"/>
+            <a:ext cx="9350640" cy="890640"/>
           </a:xfrm>
           <a:prstGeom prst="rect">
             <a:avLst/>
@@ -15034,14 +15029,14 @@
       </p:sp>
       <p:sp>
         <p:nvSpPr>
-          <p:cNvPr id="217" name="CustomShape 66"/>
+          <p:cNvPr id="213" name="CustomShape 66"/>
           <p:cNvSpPr/>
           <p:nvPr/>
         </p:nvSpPr>
         <p:spPr>
           <a:xfrm>
             <a:off x="897120" y="6886080"/>
-            <a:ext cx="6438240" cy="356040"/>
+            <a:ext cx="6437880" cy="355680"/>
           </a:xfrm>
           <a:prstGeom prst="rect">
             <a:avLst/>
@@ -15086,14 +15081,14 @@
       </p:sp>
       <p:sp>
         <p:nvSpPr>
-          <p:cNvPr id="218" name="CustomShape 67"/>
+          <p:cNvPr id="214" name="CustomShape 67"/>
           <p:cNvSpPr/>
           <p:nvPr/>
         </p:nvSpPr>
         <p:spPr>
           <a:xfrm>
             <a:off x="7608600" y="6886080"/>
-            <a:ext cx="2276280" cy="356040"/>
+            <a:ext cx="2275920" cy="355680"/>
           </a:xfrm>
           <a:prstGeom prst="rect">
             <a:avLst/>
@@ -15138,14 +15133,14 @@
       </p:sp>
       <p:sp>
         <p:nvSpPr>
-          <p:cNvPr id="219" name=""/>
+          <p:cNvPr id="215" name=""/>
           <p:cNvSpPr/>
           <p:nvPr/>
         </p:nvSpPr>
         <p:spPr>
           <a:xfrm>
             <a:off x="342360" y="1529280"/>
-            <a:ext cx="9377280" cy="5360760"/>
+            <a:ext cx="9376920" cy="5360400"/>
           </a:xfrm>
           <a:prstGeom prst="rect">
             <a:avLst/>
@@ -15532,14 +15527,14 @@
       </p:sp>
       <p:sp>
         <p:nvSpPr>
-          <p:cNvPr id="220" name=""/>
+          <p:cNvPr id="216" name=""/>
           <p:cNvSpPr/>
           <p:nvPr/>
         </p:nvSpPr>
         <p:spPr>
           <a:xfrm>
             <a:off x="333360" y="1317600"/>
-            <a:ext cx="9377280" cy="5360760"/>
+            <a:ext cx="9376920" cy="5360400"/>
           </a:xfrm>
           <a:prstGeom prst="rect">
             <a:avLst/>
@@ -16159,7 +16154,7 @@
         <p:spPr>
           <a:xfrm>
             <a:off x="360000" y="360000"/>
-            <a:ext cx="9351000" cy="891000"/>
+            <a:ext cx="9350640" cy="890640"/>
           </a:xfrm>
           <a:prstGeom prst="rect">
             <a:avLst/>
@@ -16211,7 +16206,7 @@
         <p:spPr>
           <a:xfrm>
             <a:off x="360000" y="1980000"/>
-            <a:ext cx="9171000" cy="4671000"/>
+            <a:ext cx="9170640" cy="4670640"/>
           </a:xfrm>
           <a:prstGeom prst="rect">
             <a:avLst/>
@@ -16372,7 +16367,7 @@
         <p:spPr>
           <a:xfrm>
             <a:off x="897120" y="6886080"/>
-            <a:ext cx="6438240" cy="356040"/>
+            <a:ext cx="6437880" cy="355680"/>
           </a:xfrm>
           <a:prstGeom prst="rect">
             <a:avLst/>
@@ -16424,7 +16419,7 @@
         <p:spPr>
           <a:xfrm>
             <a:off x="7608600" y="6886080"/>
-            <a:ext cx="2276280" cy="356040"/>
+            <a:ext cx="2275920" cy="355680"/>
           </a:xfrm>
           <a:prstGeom prst="rect">
             <a:avLst/>
@@ -16467,99 +16462,9 @@
           </a:p>
         </p:txBody>
       </p:sp>
-      <p:sp>
-        <p:nvSpPr>
-          <p:cNvPr id="93" name=""/>
-          <p:cNvSpPr/>
-          <p:nvPr/>
-        </p:nvSpPr>
-        <p:spPr>
-          <a:xfrm>
-            <a:off x="2520360" y="5508360"/>
-            <a:ext cx="265680" cy="265680"/>
-          </a:xfrm>
-          <a:prstGeom prst="ellipse">
-            <a:avLst/>
-          </a:prstGeom>
-          <a:solidFill>
-            <a:srgbClr val="00a933"/>
-          </a:solidFill>
-          <a:ln w="0">
-            <a:solidFill>
-              <a:srgbClr val="3465a4"/>
-            </a:solidFill>
-          </a:ln>
-        </p:spPr>
-        <p:style>
-          <a:lnRef idx="0"/>
-          <a:fillRef idx="0"/>
-          <a:effectRef idx="0"/>
-          <a:fontRef idx="minor"/>
-        </p:style>
-      </p:sp>
-      <p:sp>
-        <p:nvSpPr>
-          <p:cNvPr id="94" name=""/>
-          <p:cNvSpPr/>
-          <p:nvPr/>
-        </p:nvSpPr>
-        <p:spPr>
-          <a:xfrm>
-            <a:off x="2052360" y="5508360"/>
-            <a:ext cx="265680" cy="265680"/>
-          </a:xfrm>
-          <a:prstGeom prst="ellipse">
-            <a:avLst/>
-          </a:prstGeom>
-          <a:solidFill>
-            <a:srgbClr val="00a933"/>
-          </a:solidFill>
-          <a:ln w="0">
-            <a:solidFill>
-              <a:srgbClr val="3465a4"/>
-            </a:solidFill>
-          </a:ln>
-        </p:spPr>
-        <p:style>
-          <a:lnRef idx="0"/>
-          <a:fillRef idx="0"/>
-          <a:effectRef idx="0"/>
-          <a:fontRef idx="minor"/>
-        </p:style>
-      </p:sp>
-      <p:sp>
-        <p:nvSpPr>
-          <p:cNvPr id="95" name=""/>
-          <p:cNvSpPr/>
-          <p:nvPr/>
-        </p:nvSpPr>
-        <p:spPr>
-          <a:xfrm>
-            <a:off x="2988720" y="5508360"/>
-            <a:ext cx="265680" cy="265680"/>
-          </a:xfrm>
-          <a:prstGeom prst="ellipse">
-            <a:avLst/>
-          </a:prstGeom>
-          <a:solidFill>
-            <a:srgbClr val="00a933"/>
-          </a:solidFill>
-          <a:ln w="0">
-            <a:solidFill>
-              <a:srgbClr val="3465a4"/>
-            </a:solidFill>
-          </a:ln>
-        </p:spPr>
-        <p:style>
-          <a:lnRef idx="0"/>
-          <a:fillRef idx="0"/>
-          <a:effectRef idx="0"/>
-          <a:fontRef idx="minor"/>
-        </p:style>
-      </p:sp>
       <p:pic>
         <p:nvPicPr>
-          <p:cNvPr id="96" name="" descr=""/>
+          <p:cNvPr id="93" name="" descr=""/>
           <p:cNvPicPr/>
           <p:nvPr/>
         </p:nvPicPr>
@@ -16569,31 +16474,8 @@
         </p:blipFill>
         <p:spPr>
           <a:xfrm>
-            <a:off x="1523880" y="3819240"/>
-            <a:ext cx="7427880" cy="2217600"/>
-          </a:xfrm>
-          <a:prstGeom prst="rect">
-            <a:avLst/>
-          </a:prstGeom>
-          <a:ln w="0">
-            <a:noFill/>
-          </a:ln>
-        </p:spPr>
-      </p:pic>
-      <p:pic>
-        <p:nvPicPr>
-          <p:cNvPr id="97" name="" descr=""/>
-          <p:cNvPicPr/>
-          <p:nvPr/>
-        </p:nvPicPr>
-        <p:blipFill>
-          <a:blip r:embed="rId2"/>
-          <a:stretch/>
-        </p:blipFill>
-        <p:spPr>
-          <a:xfrm>
-            <a:off x="3254760" y="5589720"/>
-            <a:ext cx="418320" cy="447120"/>
+            <a:off x="1620000" y="3786840"/>
+            <a:ext cx="7183800" cy="2153160"/>
           </a:xfrm>
           <a:prstGeom prst="rect">
             <a:avLst/>
@@ -16635,7 +16517,7 @@
       </p:grpSpPr>
       <p:pic>
         <p:nvPicPr>
-          <p:cNvPr id="98" name="" descr=""/>
+          <p:cNvPr id="94" name="" descr=""/>
           <p:cNvPicPr/>
           <p:nvPr/>
         </p:nvPicPr>
@@ -16646,7 +16528,7 @@
         <p:spPr>
           <a:xfrm>
             <a:off x="2916000" y="2340000"/>
-            <a:ext cx="3233160" cy="1444320"/>
+            <a:ext cx="3232800" cy="1443960"/>
           </a:xfrm>
           <a:prstGeom prst="rect">
             <a:avLst/>
@@ -16658,14 +16540,14 @@
       </p:pic>
       <p:sp>
         <p:nvSpPr>
-          <p:cNvPr id="99" name="CustomShape 8"/>
+          <p:cNvPr id="95" name="CustomShape 8"/>
           <p:cNvSpPr/>
           <p:nvPr/>
         </p:nvSpPr>
         <p:spPr>
           <a:xfrm>
             <a:off x="360000" y="360000"/>
-            <a:ext cx="9351000" cy="891000"/>
+            <a:ext cx="9350640" cy="890640"/>
           </a:xfrm>
           <a:prstGeom prst="rect">
             <a:avLst/>
@@ -16710,14 +16592,14 @@
       </p:sp>
       <p:sp>
         <p:nvSpPr>
-          <p:cNvPr id="100" name="CustomShape 9"/>
+          <p:cNvPr id="96" name="CustomShape 9"/>
           <p:cNvSpPr/>
           <p:nvPr/>
         </p:nvSpPr>
         <p:spPr>
           <a:xfrm>
             <a:off x="360000" y="1980000"/>
-            <a:ext cx="9171000" cy="4671000"/>
+            <a:ext cx="9170640" cy="4670640"/>
           </a:xfrm>
           <a:prstGeom prst="rect">
             <a:avLst/>
@@ -16769,14 +16651,14 @@
       </p:sp>
       <p:sp>
         <p:nvSpPr>
-          <p:cNvPr id="101" name="CustomShape 10"/>
+          <p:cNvPr id="97" name="CustomShape 10"/>
           <p:cNvSpPr/>
           <p:nvPr/>
         </p:nvSpPr>
         <p:spPr>
           <a:xfrm>
             <a:off x="897120" y="6886080"/>
-            <a:ext cx="6438240" cy="356040"/>
+            <a:ext cx="6437880" cy="355680"/>
           </a:xfrm>
           <a:prstGeom prst="rect">
             <a:avLst/>
@@ -16821,14 +16703,14 @@
       </p:sp>
       <p:sp>
         <p:nvSpPr>
-          <p:cNvPr id="102" name="CustomShape 11"/>
+          <p:cNvPr id="98" name="CustomShape 11"/>
           <p:cNvSpPr/>
           <p:nvPr/>
         </p:nvSpPr>
         <p:spPr>
           <a:xfrm>
             <a:off x="7608600" y="6886080"/>
-            <a:ext cx="2276280" cy="356040"/>
+            <a:ext cx="2275920" cy="355680"/>
           </a:xfrm>
           <a:prstGeom prst="rect">
             <a:avLst/>
@@ -16873,14 +16755,14 @@
       </p:sp>
       <p:sp>
         <p:nvSpPr>
-          <p:cNvPr id="103" name=""/>
+          <p:cNvPr id="99" name=""/>
           <p:cNvSpPr/>
           <p:nvPr/>
         </p:nvSpPr>
         <p:spPr>
           <a:xfrm>
             <a:off x="342360" y="1529280"/>
-            <a:ext cx="9377280" cy="5360760"/>
+            <a:ext cx="9376920" cy="5360400"/>
           </a:xfrm>
           <a:prstGeom prst="rect">
             <a:avLst/>
@@ -17324,7 +17206,7 @@
       </p:sp>
       <p:pic>
         <p:nvPicPr>
-          <p:cNvPr id="104" name="" descr=""/>
+          <p:cNvPr id="100" name="" descr=""/>
           <p:cNvPicPr/>
           <p:nvPr/>
         </p:nvPicPr>
@@ -17336,7 +17218,7 @@
         <p:spPr>
           <a:xfrm>
             <a:off x="162360" y="2880000"/>
-            <a:ext cx="2537280" cy="2197800"/>
+            <a:ext cx="2536920" cy="2197440"/>
           </a:xfrm>
           <a:prstGeom prst="rect">
             <a:avLst/>
@@ -17348,7 +17230,7 @@
       </p:pic>
       <p:pic>
         <p:nvPicPr>
-          <p:cNvPr id="105" name="" descr=""/>
+          <p:cNvPr id="101" name="" descr=""/>
           <p:cNvPicPr/>
           <p:nvPr/>
         </p:nvPicPr>
@@ -17359,7 +17241,7 @@
         <p:spPr>
           <a:xfrm>
             <a:off x="2946600" y="3971520"/>
-            <a:ext cx="3209040" cy="1608120"/>
+            <a:ext cx="3208680" cy="1607760"/>
           </a:xfrm>
           <a:prstGeom prst="rect">
             <a:avLst/>
@@ -17371,14 +17253,14 @@
       </p:pic>
       <p:sp>
         <p:nvSpPr>
-          <p:cNvPr id="106" name=""/>
+          <p:cNvPr id="102" name=""/>
           <p:cNvSpPr/>
           <p:nvPr/>
         </p:nvSpPr>
         <p:spPr>
           <a:xfrm>
             <a:off x="3479760" y="2805120"/>
-            <a:ext cx="1775880" cy="979200"/>
+            <a:ext cx="1775520" cy="978840"/>
           </a:xfrm>
           <a:custGeom>
             <a:avLst/>
@@ -17486,7 +17368,7 @@
       </p:sp>
       <p:pic>
         <p:nvPicPr>
-          <p:cNvPr id="107" name="" descr=""/>
+          <p:cNvPr id="103" name="" descr=""/>
           <p:cNvPicPr/>
           <p:nvPr/>
         </p:nvPicPr>
@@ -17497,7 +17379,7 @@
         <p:spPr>
           <a:xfrm>
             <a:off x="6530040" y="2700000"/>
-            <a:ext cx="3369600" cy="2339640"/>
+            <a:ext cx="3369240" cy="2339280"/>
           </a:xfrm>
           <a:prstGeom prst="rect">
             <a:avLst/>
@@ -17539,14 +17421,14 @@
       </p:grpSpPr>
       <p:sp>
         <p:nvSpPr>
-          <p:cNvPr id="108" name="CustomShape 6"/>
+          <p:cNvPr id="104" name="CustomShape 6"/>
           <p:cNvSpPr/>
           <p:nvPr/>
         </p:nvSpPr>
         <p:spPr>
           <a:xfrm>
             <a:off x="360000" y="360000"/>
-            <a:ext cx="9351000" cy="891000"/>
+            <a:ext cx="9350640" cy="890640"/>
           </a:xfrm>
           <a:prstGeom prst="rect">
             <a:avLst/>
@@ -17591,14 +17473,14 @@
       </p:sp>
       <p:sp>
         <p:nvSpPr>
-          <p:cNvPr id="109" name="CustomShape 7"/>
+          <p:cNvPr id="105" name="CustomShape 7"/>
           <p:cNvSpPr/>
           <p:nvPr/>
         </p:nvSpPr>
         <p:spPr>
           <a:xfrm>
             <a:off x="360000" y="1980000"/>
-            <a:ext cx="9171000" cy="4671000"/>
+            <a:ext cx="9170640" cy="4670640"/>
           </a:xfrm>
           <a:prstGeom prst="rect">
             <a:avLst/>
@@ -17650,14 +17532,14 @@
       </p:sp>
       <p:sp>
         <p:nvSpPr>
-          <p:cNvPr id="110" name="CustomShape 12"/>
+          <p:cNvPr id="106" name="CustomShape 12"/>
           <p:cNvSpPr/>
           <p:nvPr/>
         </p:nvSpPr>
         <p:spPr>
           <a:xfrm>
             <a:off x="897120" y="6886080"/>
-            <a:ext cx="6438240" cy="356040"/>
+            <a:ext cx="6437880" cy="355680"/>
           </a:xfrm>
           <a:prstGeom prst="rect">
             <a:avLst/>
@@ -17702,14 +17584,14 @@
       </p:sp>
       <p:sp>
         <p:nvSpPr>
-          <p:cNvPr id="111" name="CustomShape 13"/>
+          <p:cNvPr id="107" name="CustomShape 13"/>
           <p:cNvSpPr/>
           <p:nvPr/>
         </p:nvSpPr>
         <p:spPr>
           <a:xfrm>
             <a:off x="7608600" y="6886080"/>
-            <a:ext cx="2276280" cy="356040"/>
+            <a:ext cx="2275920" cy="355680"/>
           </a:xfrm>
           <a:prstGeom prst="rect">
             <a:avLst/>
@@ -17754,14 +17636,14 @@
       </p:sp>
       <p:sp>
         <p:nvSpPr>
-          <p:cNvPr id="112" name=""/>
+          <p:cNvPr id="108" name=""/>
           <p:cNvSpPr/>
           <p:nvPr/>
         </p:nvSpPr>
         <p:spPr>
           <a:xfrm>
             <a:off x="342360" y="1529280"/>
-            <a:ext cx="9377280" cy="5360760"/>
+            <a:ext cx="9376920" cy="5360400"/>
           </a:xfrm>
           <a:prstGeom prst="rect">
             <a:avLst/>
@@ -18148,7 +18030,7 @@
       </p:sp>
       <p:pic>
         <p:nvPicPr>
-          <p:cNvPr id="113" name="" descr=""/>
+          <p:cNvPr id="109" name="" descr=""/>
           <p:cNvPicPr/>
           <p:nvPr/>
         </p:nvPicPr>
@@ -18159,7 +18041,7 @@
         <p:spPr>
           <a:xfrm>
             <a:off x="2819520" y="3818520"/>
-            <a:ext cx="5280120" cy="2832480"/>
+            <a:ext cx="5279760" cy="2832120"/>
           </a:xfrm>
           <a:prstGeom prst="rect">
             <a:avLst/>
@@ -18171,14 +18053,14 @@
       </p:pic>
       <p:sp>
         <p:nvSpPr>
-          <p:cNvPr id="114" name=""/>
+          <p:cNvPr id="110" name=""/>
           <p:cNvSpPr/>
           <p:nvPr/>
         </p:nvSpPr>
         <p:spPr>
           <a:xfrm>
             <a:off x="333360" y="1425600"/>
-            <a:ext cx="9377280" cy="5360760"/>
+            <a:ext cx="9376920" cy="5360400"/>
           </a:xfrm>
           <a:prstGeom prst="rect">
             <a:avLst/>
@@ -18655,14 +18537,14 @@
       </p:grpSpPr>
       <p:sp>
         <p:nvSpPr>
-          <p:cNvPr id="115" name="CustomShape 20"/>
+          <p:cNvPr id="111" name="CustomShape 20"/>
           <p:cNvSpPr/>
           <p:nvPr/>
         </p:nvSpPr>
         <p:spPr>
           <a:xfrm>
             <a:off x="360000" y="360000"/>
-            <a:ext cx="9351000" cy="891000"/>
+            <a:ext cx="9350640" cy="890640"/>
           </a:xfrm>
           <a:prstGeom prst="rect">
             <a:avLst/>
@@ -18707,14 +18589,14 @@
       </p:sp>
       <p:sp>
         <p:nvSpPr>
-          <p:cNvPr id="116" name="CustomShape 21"/>
+          <p:cNvPr id="112" name="CustomShape 21"/>
           <p:cNvSpPr/>
           <p:nvPr/>
         </p:nvSpPr>
         <p:spPr>
           <a:xfrm>
             <a:off x="360000" y="1980000"/>
-            <a:ext cx="9171000" cy="4671000"/>
+            <a:ext cx="9170640" cy="4670640"/>
           </a:xfrm>
           <a:prstGeom prst="rect">
             <a:avLst/>
@@ -18766,14 +18648,14 @@
       </p:sp>
       <p:sp>
         <p:nvSpPr>
-          <p:cNvPr id="117" name="CustomShape 22"/>
+          <p:cNvPr id="113" name="CustomShape 22"/>
           <p:cNvSpPr/>
           <p:nvPr/>
         </p:nvSpPr>
         <p:spPr>
           <a:xfrm>
             <a:off x="897120" y="6886080"/>
-            <a:ext cx="6438240" cy="356040"/>
+            <a:ext cx="6437880" cy="355680"/>
           </a:xfrm>
           <a:prstGeom prst="rect">
             <a:avLst/>
@@ -18818,14 +18700,14 @@
       </p:sp>
       <p:sp>
         <p:nvSpPr>
-          <p:cNvPr id="118" name="CustomShape 23"/>
+          <p:cNvPr id="114" name="CustomShape 23"/>
           <p:cNvSpPr/>
           <p:nvPr/>
         </p:nvSpPr>
         <p:spPr>
           <a:xfrm>
             <a:off x="7608600" y="6886080"/>
-            <a:ext cx="2276280" cy="356040"/>
+            <a:ext cx="2275920" cy="355680"/>
           </a:xfrm>
           <a:prstGeom prst="rect">
             <a:avLst/>
@@ -18870,14 +18752,14 @@
       </p:sp>
       <p:sp>
         <p:nvSpPr>
-          <p:cNvPr id="119" name=""/>
+          <p:cNvPr id="115" name=""/>
           <p:cNvSpPr/>
           <p:nvPr/>
         </p:nvSpPr>
         <p:spPr>
           <a:xfrm>
             <a:off x="342360" y="1529280"/>
-            <a:ext cx="9377280" cy="5360760"/>
+            <a:ext cx="9376920" cy="5360400"/>
           </a:xfrm>
           <a:prstGeom prst="rect">
             <a:avLst/>
@@ -19264,19 +19146,19 @@
       </p:sp>
       <p:pic>
         <p:nvPicPr>
-          <p:cNvPr id="120" name="" descr=""/>
+          <p:cNvPr id="116" name="" descr=""/>
           <p:cNvPicPr/>
           <p:nvPr/>
         </p:nvPicPr>
         <p:blipFill>
           <a:blip r:embed="rId1"/>
-          <a:srcRect l="0" t="0" r="51125" b="0"/>
+          <a:srcRect l="0" t="0" r="51119" b="0"/>
           <a:stretch/>
         </p:blipFill>
         <p:spPr>
           <a:xfrm>
             <a:off x="4020120" y="3420000"/>
-            <a:ext cx="2579760" cy="2832480"/>
+            <a:ext cx="2579400" cy="2832120"/>
           </a:xfrm>
           <a:prstGeom prst="rect">
             <a:avLst/>
@@ -19288,14 +19170,14 @@
       </p:pic>
       <p:sp>
         <p:nvSpPr>
-          <p:cNvPr id="121" name=""/>
+          <p:cNvPr id="117" name=""/>
           <p:cNvSpPr/>
           <p:nvPr/>
         </p:nvSpPr>
         <p:spPr>
           <a:xfrm>
             <a:off x="333360" y="1425600"/>
-            <a:ext cx="9377280" cy="5360760"/>
+            <a:ext cx="9376920" cy="5360400"/>
           </a:xfrm>
           <a:prstGeom prst="rect">
             <a:avLst/>
@@ -19746,7 +19628,7 @@
       </p:grpSpPr>
       <p:pic>
         <p:nvPicPr>
-          <p:cNvPr id="122" name="" descr=""/>
+          <p:cNvPr id="118" name="" descr=""/>
           <p:cNvPicPr/>
           <p:nvPr/>
         </p:nvPicPr>
@@ -19758,7 +19640,7 @@
         <p:spPr>
           <a:xfrm>
             <a:off x="2520000" y="3313440"/>
-            <a:ext cx="5951880" cy="3337560"/>
+            <a:ext cx="5951520" cy="3337200"/>
           </a:xfrm>
           <a:prstGeom prst="rect">
             <a:avLst/>
@@ -19770,14 +19652,14 @@
       </p:pic>
       <p:sp>
         <p:nvSpPr>
-          <p:cNvPr id="123" name="CustomShape 15"/>
+          <p:cNvPr id="119" name="CustomShape 15"/>
           <p:cNvSpPr/>
           <p:nvPr/>
         </p:nvSpPr>
         <p:spPr>
           <a:xfrm>
             <a:off x="360000" y="360000"/>
-            <a:ext cx="9351000" cy="891000"/>
+            <a:ext cx="9350640" cy="890640"/>
           </a:xfrm>
           <a:prstGeom prst="rect">
             <a:avLst/>
@@ -19822,14 +19704,14 @@
       </p:sp>
       <p:sp>
         <p:nvSpPr>
-          <p:cNvPr id="124" name="CustomShape 16"/>
+          <p:cNvPr id="120" name="CustomShape 16"/>
           <p:cNvSpPr/>
           <p:nvPr/>
         </p:nvSpPr>
         <p:spPr>
           <a:xfrm>
             <a:off x="360000" y="1980000"/>
-            <a:ext cx="9171000" cy="4671000"/>
+            <a:ext cx="9170640" cy="4670640"/>
           </a:xfrm>
           <a:prstGeom prst="rect">
             <a:avLst/>
@@ -19881,14 +19763,14 @@
       </p:sp>
       <p:sp>
         <p:nvSpPr>
-          <p:cNvPr id="125" name="CustomShape 17"/>
+          <p:cNvPr id="121" name="CustomShape 17"/>
           <p:cNvSpPr/>
           <p:nvPr/>
         </p:nvSpPr>
         <p:spPr>
           <a:xfrm>
             <a:off x="897120" y="6886080"/>
-            <a:ext cx="6438240" cy="356040"/>
+            <a:ext cx="6437880" cy="355680"/>
           </a:xfrm>
           <a:prstGeom prst="rect">
             <a:avLst/>
@@ -19933,14 +19815,14 @@
       </p:sp>
       <p:sp>
         <p:nvSpPr>
-          <p:cNvPr id="126" name="CustomShape 18"/>
+          <p:cNvPr id="122" name="CustomShape 18"/>
           <p:cNvSpPr/>
           <p:nvPr/>
         </p:nvSpPr>
         <p:spPr>
           <a:xfrm>
             <a:off x="7608600" y="6886080"/>
-            <a:ext cx="2276280" cy="356040"/>
+            <a:ext cx="2275920" cy="355680"/>
           </a:xfrm>
           <a:prstGeom prst="rect">
             <a:avLst/>
@@ -19985,14 +19867,14 @@
       </p:sp>
       <p:sp>
         <p:nvSpPr>
-          <p:cNvPr id="127" name=""/>
+          <p:cNvPr id="123" name=""/>
           <p:cNvSpPr/>
           <p:nvPr/>
         </p:nvSpPr>
         <p:spPr>
           <a:xfrm>
             <a:off x="342360" y="1529280"/>
-            <a:ext cx="9377280" cy="5360760"/>
+            <a:ext cx="9376920" cy="5360400"/>
           </a:xfrm>
           <a:prstGeom prst="rect">
             <a:avLst/>
@@ -20379,14 +20261,14 @@
       </p:sp>
       <p:sp>
         <p:nvSpPr>
-          <p:cNvPr id="128" name=""/>
+          <p:cNvPr id="124" name=""/>
           <p:cNvSpPr/>
           <p:nvPr/>
         </p:nvSpPr>
         <p:spPr>
           <a:xfrm>
             <a:off x="333360" y="1101600"/>
-            <a:ext cx="9377280" cy="5360760"/>
+            <a:ext cx="9376920" cy="5360400"/>
           </a:xfrm>
           <a:prstGeom prst="rect">
             <a:avLst/>
@@ -20932,14 +20814,14 @@
       </p:grpSpPr>
       <p:sp>
         <p:nvSpPr>
-          <p:cNvPr id="129" name="CustomShape 25"/>
+          <p:cNvPr id="125" name="CustomShape 25"/>
           <p:cNvSpPr/>
           <p:nvPr/>
         </p:nvSpPr>
         <p:spPr>
           <a:xfrm>
             <a:off x="360000" y="360000"/>
-            <a:ext cx="9351000" cy="891000"/>
+            <a:ext cx="9350640" cy="890640"/>
           </a:xfrm>
           <a:prstGeom prst="rect">
             <a:avLst/>
@@ -20984,14 +20866,14 @@
       </p:sp>
       <p:sp>
         <p:nvSpPr>
-          <p:cNvPr id="130" name="CustomShape 27"/>
+          <p:cNvPr id="126" name="CustomShape 27"/>
           <p:cNvSpPr/>
           <p:nvPr/>
         </p:nvSpPr>
         <p:spPr>
           <a:xfrm>
             <a:off x="897120" y="6886080"/>
-            <a:ext cx="6438240" cy="356040"/>
+            <a:ext cx="6437880" cy="355680"/>
           </a:xfrm>
           <a:prstGeom prst="rect">
             <a:avLst/>
@@ -21036,14 +20918,14 @@
       </p:sp>
       <p:sp>
         <p:nvSpPr>
-          <p:cNvPr id="131" name="CustomShape 28"/>
+          <p:cNvPr id="127" name="CustomShape 28"/>
           <p:cNvSpPr/>
           <p:nvPr/>
         </p:nvSpPr>
         <p:spPr>
           <a:xfrm>
             <a:off x="7608600" y="6886080"/>
-            <a:ext cx="2276280" cy="356040"/>
+            <a:ext cx="2275920" cy="355680"/>
           </a:xfrm>
           <a:prstGeom prst="rect">
             <a:avLst/>
@@ -21088,14 +20970,14 @@
       </p:sp>
       <p:sp>
         <p:nvSpPr>
-          <p:cNvPr id="132" name=""/>
+          <p:cNvPr id="128" name=""/>
           <p:cNvSpPr/>
           <p:nvPr/>
         </p:nvSpPr>
         <p:spPr>
           <a:xfrm>
             <a:off x="342360" y="1529280"/>
-            <a:ext cx="9377280" cy="5360760"/>
+            <a:ext cx="9376920" cy="5360400"/>
           </a:xfrm>
           <a:prstGeom prst="rect">
             <a:avLst/>
@@ -21482,14 +21364,14 @@
       </p:sp>
       <p:sp>
         <p:nvSpPr>
-          <p:cNvPr id="133" name=""/>
+          <p:cNvPr id="129" name=""/>
           <p:cNvSpPr/>
           <p:nvPr/>
         </p:nvSpPr>
         <p:spPr>
           <a:xfrm>
             <a:off x="333360" y="1101600"/>
-            <a:ext cx="9377280" cy="5360760"/>
+            <a:ext cx="9376920" cy="5360400"/>
           </a:xfrm>
           <a:prstGeom prst="rect">
             <a:avLst/>
@@ -21906,7 +21788,7 @@
       </p:sp>
       <p:pic>
         <p:nvPicPr>
-          <p:cNvPr id="134" name="" descr=""/>
+          <p:cNvPr id="130" name="" descr=""/>
           <p:cNvPicPr/>
           <p:nvPr/>
         </p:nvPicPr>
@@ -21917,7 +21799,7 @@
         <p:spPr>
           <a:xfrm>
             <a:off x="1980000" y="2628000"/>
-            <a:ext cx="5968440" cy="3779640"/>
+            <a:ext cx="5968080" cy="3779280"/>
           </a:xfrm>
           <a:prstGeom prst="rect">
             <a:avLst/>
@@ -21959,14 +21841,14 @@
       </p:grpSpPr>
       <p:sp>
         <p:nvSpPr>
-          <p:cNvPr id="135" name="CustomShape 33"/>
+          <p:cNvPr id="131" name="CustomShape 33"/>
           <p:cNvSpPr/>
           <p:nvPr/>
         </p:nvSpPr>
         <p:spPr>
           <a:xfrm>
             <a:off x="360000" y="360000"/>
-            <a:ext cx="9351000" cy="891000"/>
+            <a:ext cx="9350640" cy="890640"/>
           </a:xfrm>
           <a:prstGeom prst="rect">
             <a:avLst/>
@@ -22011,14 +21893,14 @@
       </p:sp>
       <p:sp>
         <p:nvSpPr>
-          <p:cNvPr id="136" name="CustomShape 34"/>
+          <p:cNvPr id="132" name="CustomShape 34"/>
           <p:cNvSpPr/>
           <p:nvPr/>
         </p:nvSpPr>
         <p:spPr>
           <a:xfrm>
             <a:off x="897120" y="6886080"/>
-            <a:ext cx="6438240" cy="356040"/>
+            <a:ext cx="6437880" cy="355680"/>
           </a:xfrm>
           <a:prstGeom prst="rect">
             <a:avLst/>
@@ -22063,14 +21945,14 @@
       </p:sp>
       <p:sp>
         <p:nvSpPr>
-          <p:cNvPr id="137" name="CustomShape 35"/>
+          <p:cNvPr id="133" name="CustomShape 35"/>
           <p:cNvSpPr/>
           <p:nvPr/>
         </p:nvSpPr>
         <p:spPr>
           <a:xfrm>
             <a:off x="7608600" y="6886080"/>
-            <a:ext cx="2276280" cy="356040"/>
+            <a:ext cx="2275920" cy="355680"/>
           </a:xfrm>
           <a:prstGeom prst="rect">
             <a:avLst/>
@@ -22115,14 +21997,14 @@
       </p:sp>
       <p:sp>
         <p:nvSpPr>
-          <p:cNvPr id="138" name=""/>
+          <p:cNvPr id="134" name=""/>
           <p:cNvSpPr/>
           <p:nvPr/>
         </p:nvSpPr>
         <p:spPr>
           <a:xfrm>
             <a:off x="342360" y="1529280"/>
-            <a:ext cx="9377280" cy="5360760"/>
+            <a:ext cx="9376920" cy="5360400"/>
           </a:xfrm>
           <a:prstGeom prst="rect">
             <a:avLst/>
@@ -22509,14 +22391,14 @@
       </p:sp>
       <p:sp>
         <p:nvSpPr>
-          <p:cNvPr id="139" name=""/>
+          <p:cNvPr id="135" name=""/>
           <p:cNvSpPr/>
           <p:nvPr/>
         </p:nvSpPr>
         <p:spPr>
           <a:xfrm>
             <a:off x="333360" y="1317600"/>
-            <a:ext cx="9377280" cy="5360760"/>
+            <a:ext cx="9376920" cy="5360400"/>
           </a:xfrm>
           <a:prstGeom prst="rect">
             <a:avLst/>
@@ -23033,7 +22915,7 @@
       </p:sp>
       <p:pic>
         <p:nvPicPr>
-          <p:cNvPr id="140" name="" descr=""/>
+          <p:cNvPr id="136" name="" descr=""/>
           <p:cNvPicPr/>
           <p:nvPr/>
         </p:nvPicPr>
@@ -23045,7 +22927,7 @@
         <p:spPr>
           <a:xfrm>
             <a:off x="6300000" y="3672000"/>
-            <a:ext cx="3239280" cy="2951280"/>
+            <a:ext cx="3238920" cy="2950920"/>
           </a:xfrm>
           <a:prstGeom prst="rect">
             <a:avLst/>
@@ -23087,14 +22969,14 @@
       </p:grpSpPr>
       <p:sp>
         <p:nvSpPr>
-          <p:cNvPr id="141" name="CustomShape 26"/>
+          <p:cNvPr id="137" name="CustomShape 26"/>
           <p:cNvSpPr/>
           <p:nvPr/>
         </p:nvSpPr>
         <p:spPr>
           <a:xfrm>
             <a:off x="360000" y="360000"/>
-            <a:ext cx="9351000" cy="891000"/>
+            <a:ext cx="9350640" cy="890640"/>
           </a:xfrm>
           <a:prstGeom prst="rect">
             <a:avLst/>
@@ -23139,14 +23021,14 @@
       </p:sp>
       <p:sp>
         <p:nvSpPr>
-          <p:cNvPr id="142" name="CustomShape 30"/>
+          <p:cNvPr id="138" name="CustomShape 30"/>
           <p:cNvSpPr/>
           <p:nvPr/>
         </p:nvSpPr>
         <p:spPr>
           <a:xfrm>
             <a:off x="897120" y="6886080"/>
-            <a:ext cx="6438240" cy="356040"/>
+            <a:ext cx="6437880" cy="355680"/>
           </a:xfrm>
           <a:prstGeom prst="rect">
             <a:avLst/>
@@ -23191,14 +23073,14 @@
       </p:sp>
       <p:sp>
         <p:nvSpPr>
-          <p:cNvPr id="143" name="CustomShape 31"/>
+          <p:cNvPr id="139" name="CustomShape 31"/>
           <p:cNvSpPr/>
           <p:nvPr/>
         </p:nvSpPr>
         <p:spPr>
           <a:xfrm>
             <a:off x="7608600" y="6886080"/>
-            <a:ext cx="2276280" cy="356040"/>
+            <a:ext cx="2275920" cy="355680"/>
           </a:xfrm>
           <a:prstGeom prst="rect">
             <a:avLst/>
@@ -23243,14 +23125,14 @@
       </p:sp>
       <p:sp>
         <p:nvSpPr>
-          <p:cNvPr id="144" name=""/>
+          <p:cNvPr id="140" name=""/>
           <p:cNvSpPr/>
           <p:nvPr/>
         </p:nvSpPr>
         <p:spPr>
           <a:xfrm>
             <a:off x="342360" y="1529280"/>
-            <a:ext cx="9377280" cy="5360760"/>
+            <a:ext cx="9376920" cy="5360400"/>
           </a:xfrm>
           <a:prstGeom prst="rect">
             <a:avLst/>
@@ -23637,14 +23519,14 @@
       </p:sp>
       <p:sp>
         <p:nvSpPr>
-          <p:cNvPr id="145" name=""/>
+          <p:cNvPr id="141" name=""/>
           <p:cNvSpPr/>
           <p:nvPr/>
         </p:nvSpPr>
         <p:spPr>
           <a:xfrm>
             <a:off x="333360" y="1317600"/>
-            <a:ext cx="9377280" cy="5360760"/>
+            <a:ext cx="9376920" cy="5360400"/>
           </a:xfrm>
           <a:prstGeom prst="rect">
             <a:avLst/>
@@ -24057,7 +23939,7 @@
       </p:sp>
       <p:pic>
         <p:nvPicPr>
-          <p:cNvPr id="146" name="" descr=""/>
+          <p:cNvPr id="142" name="" descr=""/>
           <p:cNvPicPr/>
           <p:nvPr/>
         </p:nvPicPr>
@@ -24068,7 +23950,7 @@
         <p:spPr>
           <a:xfrm>
             <a:off x="1608840" y="3025800"/>
-            <a:ext cx="7390800" cy="2913840"/>
+            <a:ext cx="7390440" cy="2913480"/>
           </a:xfrm>
           <a:prstGeom prst="rect">
             <a:avLst/>
